--- a/Teoria/JQUERY.pptx
+++ b/Teoria/JQUERY.pptx
@@ -1,9 +1,15 @@
 
 <file path=ppt/presentation.xml><?xml version="1.0" encoding="utf-8"?>
-<p:presentation xmlns:a="http://schemas.openxmlformats.org/drawingml/2006/main" xmlns:r="http://schemas.openxmlformats.org/officeDocument/2006/relationships" xmlns:p="http://schemas.openxmlformats.org/presentationml/2006/main" autoCompressPictures="0">
+<p:presentation xmlns:a="http://schemas.openxmlformats.org/drawingml/2006/main" xmlns:r="http://schemas.openxmlformats.org/officeDocument/2006/relationships" xmlns:p="http://schemas.openxmlformats.org/presentationml/2006/main" showSpecialPlsOnTitleSld="0" autoCompressPictures="0">
   <p:sldMasterIdLst>
     <p:sldMasterId id="2147483648" r:id="rId1"/>
   </p:sldMasterIdLst>
+  <p:notesMasterIdLst>
+    <p:notesMasterId r:id="rId18"/>
+  </p:notesMasterIdLst>
+  <p:handoutMasterIdLst>
+    <p:handoutMasterId r:id="rId19"/>
+  </p:handoutMasterIdLst>
   <p:sldIdLst>
     <p:sldId id="256" r:id="rId2"/>
     <p:sldId id="271" r:id="rId3"/>
@@ -119,19 +125,290 @@
       </a:defRPr>
     </a:lvl9pPr>
   </p:defaultTextStyle>
+  <p:extLst>
+    <p:ext uri="{EFAFB233-063F-42B5-8137-9DF3F51BA10A}">
+      <p15:sldGuideLst xmlns:p15="http://schemas.microsoft.com/office/powerpoint/2012/main"/>
+    </p:ext>
+  </p:extLst>
 </p:presentation>
 </file>
 
 <file path=ppt/revisionInfo.xml><?xml version="1.0" encoding="utf-8"?>
 <p1510:revInfo xmlns:a="http://schemas.openxmlformats.org/drawingml/2006/main" xmlns:r="http://schemas.openxmlformats.org/officeDocument/2006/relationships" xmlns:p1510="http://schemas.microsoft.com/office/powerpoint/2015/10/main">
   <p1510:revLst>
-    <p1510:client id="{BBF8727E-D74B-444A-9575-D1297F0447AB}" v="6" dt="2022-03-18T10:33:04.588"/>
+    <p1510:client id="{74061E85-E6F8-4364-AE87-D44CD90250A1}" v="9" dt="2022-03-21T13:59:40.506"/>
   </p1510:revLst>
 </p1510:revInfo>
 </file>
 
 <file path=ppt/changesInfos/changesInfo1.xml><?xml version="1.0" encoding="utf-8"?>
 <pc:chgInfo xmlns:a="http://schemas.openxmlformats.org/drawingml/2006/main" xmlns:r="http://schemas.openxmlformats.org/officeDocument/2006/relationships" xmlns:ac="http://schemas.microsoft.com/office/drawing/2013/main/command" xmlns:pc="http://schemas.microsoft.com/office/powerpoint/2013/main/command">
+  <pc:docChgLst>
+    <pc:chgData name="Sergio Sacristan Santero" userId="955dd7f0-91eb-4aab-8e1c-7d6c143bf99a" providerId="ADAL" clId="{74061E85-E6F8-4364-AE87-D44CD90250A1}"/>
+    <pc:docChg chg="custSel modSld">
+      <pc:chgData name="Sergio Sacristan Santero" userId="955dd7f0-91eb-4aab-8e1c-7d6c143bf99a" providerId="ADAL" clId="{74061E85-E6F8-4364-AE87-D44CD90250A1}" dt="2022-03-21T14:01:20.389" v="67" actId="14100"/>
+      <pc:docMkLst>
+        <pc:docMk/>
+      </pc:docMkLst>
+      <pc:sldChg chg="addSp delSp modSp mod">
+        <pc:chgData name="Sergio Sacristan Santero" userId="955dd7f0-91eb-4aab-8e1c-7d6c143bf99a" providerId="ADAL" clId="{74061E85-E6F8-4364-AE87-D44CD90250A1}" dt="2022-03-21T13:57:24.468" v="9" actId="1076"/>
+        <pc:sldMkLst>
+          <pc:docMk/>
+          <pc:sldMk cId="345710030" sldId="256"/>
+        </pc:sldMkLst>
+        <pc:spChg chg="mod">
+          <ac:chgData name="Sergio Sacristan Santero" userId="955dd7f0-91eb-4aab-8e1c-7d6c143bf99a" providerId="ADAL" clId="{74061E85-E6F8-4364-AE87-D44CD90250A1}" dt="2022-03-21T13:56:51.517" v="5" actId="1076"/>
+          <ac:spMkLst>
+            <pc:docMk/>
+            <pc:sldMk cId="345710030" sldId="256"/>
+            <ac:spMk id="2" creationId="{78CF1392-D5F0-40E1-8002-9B19E71EC08C}"/>
+          </ac:spMkLst>
+        </pc:spChg>
+        <pc:spChg chg="mod">
+          <ac:chgData name="Sergio Sacristan Santero" userId="955dd7f0-91eb-4aab-8e1c-7d6c143bf99a" providerId="ADAL" clId="{74061E85-E6F8-4364-AE87-D44CD90250A1}" dt="2022-03-21T13:56:54.916" v="6" actId="1076"/>
+          <ac:spMkLst>
+            <pc:docMk/>
+            <pc:sldMk cId="345710030" sldId="256"/>
+            <ac:spMk id="3" creationId="{1BCE6E5A-2E22-4DCF-A6F0-7E16828643C4}"/>
+          </ac:spMkLst>
+        </pc:spChg>
+        <pc:picChg chg="add del mod">
+          <ac:chgData name="Sergio Sacristan Santero" userId="955dd7f0-91eb-4aab-8e1c-7d6c143bf99a" providerId="ADAL" clId="{74061E85-E6F8-4364-AE87-D44CD90250A1}" dt="2022-03-21T13:57:20.812" v="7" actId="478"/>
+          <ac:picMkLst>
+            <pc:docMk/>
+            <pc:sldMk cId="345710030" sldId="256"/>
+            <ac:picMk id="7" creationId="{2096BEF4-237E-4E2D-9509-C57CAA30B1FF}"/>
+          </ac:picMkLst>
+        </pc:picChg>
+        <pc:picChg chg="add mod">
+          <ac:chgData name="Sergio Sacristan Santero" userId="955dd7f0-91eb-4aab-8e1c-7d6c143bf99a" providerId="ADAL" clId="{74061E85-E6F8-4364-AE87-D44CD90250A1}" dt="2022-03-21T13:57:24.468" v="9" actId="1076"/>
+          <ac:picMkLst>
+            <pc:docMk/>
+            <pc:sldMk cId="345710030" sldId="256"/>
+            <ac:picMk id="9" creationId="{6A6A093D-B673-445D-81E6-5275039CDE7A}"/>
+          </ac:picMkLst>
+        </pc:picChg>
+      </pc:sldChg>
+      <pc:sldChg chg="modSp mod">
+        <pc:chgData name="Sergio Sacristan Santero" userId="955dd7f0-91eb-4aab-8e1c-7d6c143bf99a" providerId="ADAL" clId="{74061E85-E6F8-4364-AE87-D44CD90250A1}" dt="2022-03-21T14:00:30.573" v="58" actId="14100"/>
+        <pc:sldMkLst>
+          <pc:docMk/>
+          <pc:sldMk cId="1835260826" sldId="257"/>
+        </pc:sldMkLst>
+        <pc:spChg chg="mod">
+          <ac:chgData name="Sergio Sacristan Santero" userId="955dd7f0-91eb-4aab-8e1c-7d6c143bf99a" providerId="ADAL" clId="{74061E85-E6F8-4364-AE87-D44CD90250A1}" dt="2022-03-21T14:00:30.573" v="58" actId="14100"/>
+          <ac:spMkLst>
+            <pc:docMk/>
+            <pc:sldMk cId="1835260826" sldId="257"/>
+            <ac:spMk id="4" creationId="{367E0B05-B609-4AFB-AC17-E1B0EFC1F20F}"/>
+          </ac:spMkLst>
+        </pc:spChg>
+        <pc:picChg chg="mod">
+          <ac:chgData name="Sergio Sacristan Santero" userId="955dd7f0-91eb-4aab-8e1c-7d6c143bf99a" providerId="ADAL" clId="{74061E85-E6F8-4364-AE87-D44CD90250A1}" dt="2022-03-21T13:58:32.839" v="53" actId="14100"/>
+          <ac:picMkLst>
+            <pc:docMk/>
+            <pc:sldMk cId="1835260826" sldId="257"/>
+            <ac:picMk id="5" creationId="{A274444B-5F97-4F1D-9E63-9ADE3F6632DE}"/>
+          </ac:picMkLst>
+        </pc:picChg>
+      </pc:sldChg>
+      <pc:sldChg chg="modSp mod">
+        <pc:chgData name="Sergio Sacristan Santero" userId="955dd7f0-91eb-4aab-8e1c-7d6c143bf99a" providerId="ADAL" clId="{74061E85-E6F8-4364-AE87-D44CD90250A1}" dt="2022-03-21T14:00:40.989" v="60" actId="14100"/>
+        <pc:sldMkLst>
+          <pc:docMk/>
+          <pc:sldMk cId="2135360343" sldId="258"/>
+        </pc:sldMkLst>
+        <pc:spChg chg="mod">
+          <ac:chgData name="Sergio Sacristan Santero" userId="955dd7f0-91eb-4aab-8e1c-7d6c143bf99a" providerId="ADAL" clId="{74061E85-E6F8-4364-AE87-D44CD90250A1}" dt="2022-03-21T14:00:40.989" v="60" actId="14100"/>
+          <ac:spMkLst>
+            <pc:docMk/>
+            <pc:sldMk cId="2135360343" sldId="258"/>
+            <ac:spMk id="4" creationId="{F6900091-DDD3-4963-B93F-027C4596CEAD}"/>
+          </ac:spMkLst>
+        </pc:spChg>
+      </pc:sldChg>
+      <pc:sldChg chg="modSp mod">
+        <pc:chgData name="Sergio Sacristan Santero" userId="955dd7f0-91eb-4aab-8e1c-7d6c143bf99a" providerId="ADAL" clId="{74061E85-E6F8-4364-AE87-D44CD90250A1}" dt="2022-03-21T14:00:35.525" v="59" actId="14100"/>
+        <pc:sldMkLst>
+          <pc:docMk/>
+          <pc:sldMk cId="256374814" sldId="259"/>
+        </pc:sldMkLst>
+        <pc:spChg chg="mod">
+          <ac:chgData name="Sergio Sacristan Santero" userId="955dd7f0-91eb-4aab-8e1c-7d6c143bf99a" providerId="ADAL" clId="{74061E85-E6F8-4364-AE87-D44CD90250A1}" dt="2022-03-21T14:00:35.525" v="59" actId="14100"/>
+          <ac:spMkLst>
+            <pc:docMk/>
+            <pc:sldMk cId="256374814" sldId="259"/>
+            <ac:spMk id="4" creationId="{711A86D5-04F3-4AB5-BAE2-DFB171FF6E8D}"/>
+          </ac:spMkLst>
+        </pc:spChg>
+      </pc:sldChg>
+      <pc:sldChg chg="modSp mod">
+        <pc:chgData name="Sergio Sacristan Santero" userId="955dd7f0-91eb-4aab-8e1c-7d6c143bf99a" providerId="ADAL" clId="{74061E85-E6F8-4364-AE87-D44CD90250A1}" dt="2022-03-21T14:00:44.573" v="61" actId="14100"/>
+        <pc:sldMkLst>
+          <pc:docMk/>
+          <pc:sldMk cId="2154904021" sldId="260"/>
+        </pc:sldMkLst>
+        <pc:spChg chg="mod">
+          <ac:chgData name="Sergio Sacristan Santero" userId="955dd7f0-91eb-4aab-8e1c-7d6c143bf99a" providerId="ADAL" clId="{74061E85-E6F8-4364-AE87-D44CD90250A1}" dt="2022-03-21T14:00:44.573" v="61" actId="14100"/>
+          <ac:spMkLst>
+            <pc:docMk/>
+            <pc:sldMk cId="2154904021" sldId="260"/>
+            <ac:spMk id="4" creationId="{F411B5F7-79C5-41B6-9E58-5D3D9920BA2C}"/>
+          </ac:spMkLst>
+        </pc:spChg>
+      </pc:sldChg>
+      <pc:sldChg chg="modSp mod">
+        <pc:chgData name="Sergio Sacristan Santero" userId="955dd7f0-91eb-4aab-8e1c-7d6c143bf99a" providerId="ADAL" clId="{74061E85-E6F8-4364-AE87-D44CD90250A1}" dt="2022-03-21T14:01:08.189" v="65" actId="14100"/>
+        <pc:sldMkLst>
+          <pc:docMk/>
+          <pc:sldMk cId="1864015281" sldId="261"/>
+        </pc:sldMkLst>
+        <pc:spChg chg="mod">
+          <ac:chgData name="Sergio Sacristan Santero" userId="955dd7f0-91eb-4aab-8e1c-7d6c143bf99a" providerId="ADAL" clId="{74061E85-E6F8-4364-AE87-D44CD90250A1}" dt="2022-03-21T14:01:08.189" v="65" actId="14100"/>
+          <ac:spMkLst>
+            <pc:docMk/>
+            <pc:sldMk cId="1864015281" sldId="261"/>
+            <ac:spMk id="4" creationId="{E2FC8BCF-7DA3-41EC-BA74-D07E8C3CC55E}"/>
+          </ac:spMkLst>
+        </pc:spChg>
+      </pc:sldChg>
+      <pc:sldChg chg="modSp mod">
+        <pc:chgData name="Sergio Sacristan Santero" userId="955dd7f0-91eb-4aab-8e1c-7d6c143bf99a" providerId="ADAL" clId="{74061E85-E6F8-4364-AE87-D44CD90250A1}" dt="2022-03-21T14:01:00.421" v="64" actId="14100"/>
+        <pc:sldMkLst>
+          <pc:docMk/>
+          <pc:sldMk cId="4014988383" sldId="262"/>
+        </pc:sldMkLst>
+        <pc:spChg chg="mod">
+          <ac:chgData name="Sergio Sacristan Santero" userId="955dd7f0-91eb-4aab-8e1c-7d6c143bf99a" providerId="ADAL" clId="{74061E85-E6F8-4364-AE87-D44CD90250A1}" dt="2022-03-21T14:01:00.421" v="64" actId="14100"/>
+          <ac:spMkLst>
+            <pc:docMk/>
+            <pc:sldMk cId="4014988383" sldId="262"/>
+            <ac:spMk id="4" creationId="{1C34F96E-5E9D-48BD-B243-B06FE1CD7F3B}"/>
+          </ac:spMkLst>
+        </pc:spChg>
+      </pc:sldChg>
+      <pc:sldChg chg="modSp mod">
+        <pc:chgData name="Sergio Sacristan Santero" userId="955dd7f0-91eb-4aab-8e1c-7d6c143bf99a" providerId="ADAL" clId="{74061E85-E6F8-4364-AE87-D44CD90250A1}" dt="2022-03-21T14:00:54.924" v="63" actId="14100"/>
+        <pc:sldMkLst>
+          <pc:docMk/>
+          <pc:sldMk cId="1315010148" sldId="263"/>
+        </pc:sldMkLst>
+        <pc:spChg chg="mod">
+          <ac:chgData name="Sergio Sacristan Santero" userId="955dd7f0-91eb-4aab-8e1c-7d6c143bf99a" providerId="ADAL" clId="{74061E85-E6F8-4364-AE87-D44CD90250A1}" dt="2022-03-21T14:00:54.924" v="63" actId="14100"/>
+          <ac:spMkLst>
+            <pc:docMk/>
+            <pc:sldMk cId="1315010148" sldId="263"/>
+            <ac:spMk id="4" creationId="{FDBC0380-3648-40B0-B140-E9CF4234C30A}"/>
+          </ac:spMkLst>
+        </pc:spChg>
+      </pc:sldChg>
+      <pc:sldChg chg="modSp mod">
+        <pc:chgData name="Sergio Sacristan Santero" userId="955dd7f0-91eb-4aab-8e1c-7d6c143bf99a" providerId="ADAL" clId="{74061E85-E6F8-4364-AE87-D44CD90250A1}" dt="2022-03-21T14:01:15.566" v="66" actId="14100"/>
+        <pc:sldMkLst>
+          <pc:docMk/>
+          <pc:sldMk cId="3949600033" sldId="264"/>
+        </pc:sldMkLst>
+        <pc:spChg chg="mod">
+          <ac:chgData name="Sergio Sacristan Santero" userId="955dd7f0-91eb-4aab-8e1c-7d6c143bf99a" providerId="ADAL" clId="{74061E85-E6F8-4364-AE87-D44CD90250A1}" dt="2022-03-21T14:01:15.566" v="66" actId="14100"/>
+          <ac:spMkLst>
+            <pc:docMk/>
+            <pc:sldMk cId="3949600033" sldId="264"/>
+            <ac:spMk id="4" creationId="{12B77335-B707-4BF1-9027-D14FA914F108}"/>
+          </ac:spMkLst>
+        </pc:spChg>
+      </pc:sldChg>
+      <pc:sldChg chg="modSp mod">
+        <pc:chgData name="Sergio Sacristan Santero" userId="955dd7f0-91eb-4aab-8e1c-7d6c143bf99a" providerId="ADAL" clId="{74061E85-E6F8-4364-AE87-D44CD90250A1}" dt="2022-03-21T14:00:50.701" v="62" actId="14100"/>
+        <pc:sldMkLst>
+          <pc:docMk/>
+          <pc:sldMk cId="3407421932" sldId="265"/>
+        </pc:sldMkLst>
+        <pc:spChg chg="mod">
+          <ac:chgData name="Sergio Sacristan Santero" userId="955dd7f0-91eb-4aab-8e1c-7d6c143bf99a" providerId="ADAL" clId="{74061E85-E6F8-4364-AE87-D44CD90250A1}" dt="2022-03-21T14:00:50.701" v="62" actId="14100"/>
+          <ac:spMkLst>
+            <pc:docMk/>
+            <pc:sldMk cId="3407421932" sldId="265"/>
+            <ac:spMk id="4" creationId="{DABFA8E5-9356-48A1-827F-540DC81B0053}"/>
+          </ac:spMkLst>
+        </pc:spChg>
+      </pc:sldChg>
+      <pc:sldChg chg="modSp mod">
+        <pc:chgData name="Sergio Sacristan Santero" userId="955dd7f0-91eb-4aab-8e1c-7d6c143bf99a" providerId="ADAL" clId="{74061E85-E6F8-4364-AE87-D44CD90250A1}" dt="2022-03-21T14:01:20.389" v="67" actId="14100"/>
+        <pc:sldMkLst>
+          <pc:docMk/>
+          <pc:sldMk cId="2040904858" sldId="266"/>
+        </pc:sldMkLst>
+        <pc:spChg chg="mod">
+          <ac:chgData name="Sergio Sacristan Santero" userId="955dd7f0-91eb-4aab-8e1c-7d6c143bf99a" providerId="ADAL" clId="{74061E85-E6F8-4364-AE87-D44CD90250A1}" dt="2022-03-21T14:01:20.389" v="67" actId="14100"/>
+          <ac:spMkLst>
+            <pc:docMk/>
+            <pc:sldMk cId="2040904858" sldId="266"/>
+            <ac:spMk id="4" creationId="{B3204065-A1BB-4734-8ACA-923E0A3CFD4A}"/>
+          </ac:spMkLst>
+        </pc:spChg>
+      </pc:sldChg>
+      <pc:sldChg chg="modSp mod">
+        <pc:chgData name="Sergio Sacristan Santero" userId="955dd7f0-91eb-4aab-8e1c-7d6c143bf99a" providerId="ADAL" clId="{74061E85-E6F8-4364-AE87-D44CD90250A1}" dt="2022-03-21T14:00:17.629" v="56" actId="14100"/>
+        <pc:sldMkLst>
+          <pc:docMk/>
+          <pc:sldMk cId="611295949" sldId="267"/>
+        </pc:sldMkLst>
+        <pc:spChg chg="mod">
+          <ac:chgData name="Sergio Sacristan Santero" userId="955dd7f0-91eb-4aab-8e1c-7d6c143bf99a" providerId="ADAL" clId="{74061E85-E6F8-4364-AE87-D44CD90250A1}" dt="2022-03-21T14:00:17.629" v="56" actId="14100"/>
+          <ac:spMkLst>
+            <pc:docMk/>
+            <pc:sldMk cId="611295949" sldId="267"/>
+            <ac:spMk id="4" creationId="{CF983877-0AD6-4019-A8CE-BC45D9BCCCDB}"/>
+          </ac:spMkLst>
+        </pc:spChg>
+      </pc:sldChg>
+      <pc:sldChg chg="modSp mod">
+        <pc:chgData name="Sergio Sacristan Santero" userId="955dd7f0-91eb-4aab-8e1c-7d6c143bf99a" providerId="ADAL" clId="{74061E85-E6F8-4364-AE87-D44CD90250A1}" dt="2022-03-21T14:00:12.517" v="55" actId="14100"/>
+        <pc:sldMkLst>
+          <pc:docMk/>
+          <pc:sldMk cId="1457767598" sldId="268"/>
+        </pc:sldMkLst>
+        <pc:spChg chg="mod">
+          <ac:chgData name="Sergio Sacristan Santero" userId="955dd7f0-91eb-4aab-8e1c-7d6c143bf99a" providerId="ADAL" clId="{74061E85-E6F8-4364-AE87-D44CD90250A1}" dt="2022-03-21T14:00:12.517" v="55" actId="14100"/>
+          <ac:spMkLst>
+            <pc:docMk/>
+            <pc:sldMk cId="1457767598" sldId="268"/>
+            <ac:spMk id="4" creationId="{50D895F9-DAA0-4B04-B564-5D9434908C0F}"/>
+          </ac:spMkLst>
+        </pc:spChg>
+      </pc:sldChg>
+      <pc:sldChg chg="modSp mod">
+        <pc:chgData name="Sergio Sacristan Santero" userId="955dd7f0-91eb-4aab-8e1c-7d6c143bf99a" providerId="ADAL" clId="{74061E85-E6F8-4364-AE87-D44CD90250A1}" dt="2022-03-21T14:00:07.005" v="54" actId="14100"/>
+        <pc:sldMkLst>
+          <pc:docMk/>
+          <pc:sldMk cId="2654670794" sldId="270"/>
+        </pc:sldMkLst>
+        <pc:spChg chg="mod">
+          <ac:chgData name="Sergio Sacristan Santero" userId="955dd7f0-91eb-4aab-8e1c-7d6c143bf99a" providerId="ADAL" clId="{74061E85-E6F8-4364-AE87-D44CD90250A1}" dt="2022-03-21T14:00:07.005" v="54" actId="14100"/>
+          <ac:spMkLst>
+            <pc:docMk/>
+            <pc:sldMk cId="2654670794" sldId="270"/>
+            <ac:spMk id="4" creationId="{E366D593-E6F8-4284-A588-77624C92EF03}"/>
+          </ac:spMkLst>
+        </pc:spChg>
+      </pc:sldChg>
+      <pc:sldChg chg="modSp mod">
+        <pc:chgData name="Sergio Sacristan Santero" userId="955dd7f0-91eb-4aab-8e1c-7d6c143bf99a" providerId="ADAL" clId="{74061E85-E6F8-4364-AE87-D44CD90250A1}" dt="2022-03-21T14:00:26.430" v="57" actId="14100"/>
+        <pc:sldMkLst>
+          <pc:docMk/>
+          <pc:sldMk cId="1976086795" sldId="271"/>
+        </pc:sldMkLst>
+        <pc:spChg chg="mod">
+          <ac:chgData name="Sergio Sacristan Santero" userId="955dd7f0-91eb-4aab-8e1c-7d6c143bf99a" providerId="ADAL" clId="{74061E85-E6F8-4364-AE87-D44CD90250A1}" dt="2022-03-21T14:00:26.430" v="57" actId="14100"/>
+          <ac:spMkLst>
+            <pc:docMk/>
+            <pc:sldMk cId="1976086795" sldId="271"/>
+            <ac:spMk id="4" creationId="{5006683D-EF07-4404-8662-59B114CF93DA}"/>
+          </ac:spMkLst>
+        </pc:spChg>
+      </pc:sldChg>
+    </pc:docChg>
+  </pc:docChgLst>
   <pc:docChgLst>
     <pc:chgData name="Sergio Sacristan Santero" userId="955dd7f0-91eb-4aab-8e1c-7d6c143bf99a" providerId="ADAL" clId="{BBF8727E-D74B-444A-9575-D1297F0447AB}"/>
     <pc:docChg chg="undo custSel addSld modSld">
@@ -492,6 +769,552 @@
 </pc:chgInfo>
 </file>
 
+<file path=ppt/handoutMasters/handoutMaster1.xml><?xml version="1.0" encoding="utf-8"?>
+<p:handoutMaster xmlns:a="http://schemas.openxmlformats.org/drawingml/2006/main" xmlns:r="http://schemas.openxmlformats.org/officeDocument/2006/relationships" xmlns:p="http://schemas.openxmlformats.org/presentationml/2006/main">
+  <p:cSld>
+    <p:bg>
+      <p:bgRef idx="1001">
+        <a:schemeClr val="bg1"/>
+      </p:bgRef>
+    </p:bg>
+    <p:spTree>
+      <p:nvGrpSpPr>
+        <p:cNvPr id="1" name=""/>
+        <p:cNvGrpSpPr/>
+        <p:nvPr/>
+      </p:nvGrpSpPr>
+      <p:grpSpPr>
+        <a:xfrm>
+          <a:off x="0" y="0"/>
+          <a:ext cx="0" cy="0"/>
+          <a:chOff x="0" y="0"/>
+          <a:chExt cx="0" cy="0"/>
+        </a:xfrm>
+      </p:grpSpPr>
+      <p:sp>
+        <p:nvSpPr>
+          <p:cNvPr id="2" name="Marcador de encabezado 1">
+            <a:extLst>
+              <a:ext uri="{FF2B5EF4-FFF2-40B4-BE49-F238E27FC236}">
+                <a16:creationId xmlns:a16="http://schemas.microsoft.com/office/drawing/2014/main" id="{DD05D553-B6C2-43D9-B942-3F356A62CF6A}"/>
+              </a:ext>
+            </a:extLst>
+          </p:cNvPr>
+          <p:cNvSpPr>
+            <a:spLocks noGrp="1"/>
+          </p:cNvSpPr>
+          <p:nvPr>
+            <p:ph type="hdr" sz="quarter"/>
+          </p:nvPr>
+        </p:nvSpPr>
+        <p:spPr>
+          <a:xfrm>
+            <a:off x="0" y="0"/>
+            <a:ext cx="2971800" cy="458788"/>
+          </a:xfrm>
+          <a:prstGeom prst="rect">
+            <a:avLst/>
+          </a:prstGeom>
+        </p:spPr>
+        <p:txBody>
+          <a:bodyPr vert="horz" lIns="91440" tIns="45720" rIns="91440" bIns="45720" rtlCol="0"/>
+          <a:lstStyle>
+            <a:lvl1pPr algn="l">
+              <a:defRPr sz="1200"/>
+            </a:lvl1pPr>
+          </a:lstStyle>
+          <a:p>
+            <a:endParaRPr lang="es-ES"/>
+          </a:p>
+        </p:txBody>
+      </p:sp>
+      <p:sp>
+        <p:nvSpPr>
+          <p:cNvPr id="3" name="Marcador de fecha 2">
+            <a:extLst>
+              <a:ext uri="{FF2B5EF4-FFF2-40B4-BE49-F238E27FC236}">
+                <a16:creationId xmlns:a16="http://schemas.microsoft.com/office/drawing/2014/main" id="{C548302E-EC2C-40CE-8132-333F2D65C1F8}"/>
+              </a:ext>
+            </a:extLst>
+          </p:cNvPr>
+          <p:cNvSpPr>
+            <a:spLocks noGrp="1"/>
+          </p:cNvSpPr>
+          <p:nvPr>
+            <p:ph type="dt" sz="quarter" idx="1"/>
+          </p:nvPr>
+        </p:nvSpPr>
+        <p:spPr>
+          <a:xfrm>
+            <a:off x="3884613" y="0"/>
+            <a:ext cx="2971800" cy="458788"/>
+          </a:xfrm>
+          <a:prstGeom prst="rect">
+            <a:avLst/>
+          </a:prstGeom>
+        </p:spPr>
+        <p:txBody>
+          <a:bodyPr vert="horz" lIns="91440" tIns="45720" rIns="91440" bIns="45720" rtlCol="0"/>
+          <a:lstStyle>
+            <a:lvl1pPr algn="r">
+              <a:defRPr sz="1200"/>
+            </a:lvl1pPr>
+          </a:lstStyle>
+          <a:p>
+            <a:fld id="{7B96D647-B68C-484F-B558-0E43DFFB99F7}" type="datetimeFigureOut">
+              <a:rPr lang="es-ES" smtClean="0"/>
+              <a:t>21/03/2022</a:t>
+            </a:fld>
+            <a:endParaRPr lang="es-ES"/>
+          </a:p>
+        </p:txBody>
+      </p:sp>
+      <p:sp>
+        <p:nvSpPr>
+          <p:cNvPr id="4" name="Marcador de pie de página 3">
+            <a:extLst>
+              <a:ext uri="{FF2B5EF4-FFF2-40B4-BE49-F238E27FC236}">
+                <a16:creationId xmlns:a16="http://schemas.microsoft.com/office/drawing/2014/main" id="{0A178B09-FA79-4613-9FEF-D297342CF336}"/>
+              </a:ext>
+            </a:extLst>
+          </p:cNvPr>
+          <p:cNvSpPr>
+            <a:spLocks noGrp="1"/>
+          </p:cNvSpPr>
+          <p:nvPr>
+            <p:ph type="ftr" sz="quarter" idx="2"/>
+          </p:nvPr>
+        </p:nvSpPr>
+        <p:spPr>
+          <a:xfrm>
+            <a:off x="0" y="8685213"/>
+            <a:ext cx="2971800" cy="458787"/>
+          </a:xfrm>
+          <a:prstGeom prst="rect">
+            <a:avLst/>
+          </a:prstGeom>
+        </p:spPr>
+        <p:txBody>
+          <a:bodyPr vert="horz" lIns="91440" tIns="45720" rIns="91440" bIns="45720" rtlCol="0" anchor="b"/>
+          <a:lstStyle>
+            <a:lvl1pPr algn="l">
+              <a:defRPr sz="1200"/>
+            </a:lvl1pPr>
+          </a:lstStyle>
+          <a:p>
+            <a:r>
+              <a:rPr lang="es-ES"/>
+              <a:t>Web Comercial Iberdrola - NTTDATA</a:t>
+            </a:r>
+          </a:p>
+        </p:txBody>
+      </p:sp>
+      <p:sp>
+        <p:nvSpPr>
+          <p:cNvPr id="5" name="Marcador de número de diapositiva 4">
+            <a:extLst>
+              <a:ext uri="{FF2B5EF4-FFF2-40B4-BE49-F238E27FC236}">
+                <a16:creationId xmlns:a16="http://schemas.microsoft.com/office/drawing/2014/main" id="{1FF51C0E-346F-4569-9711-57F62649F381}"/>
+              </a:ext>
+            </a:extLst>
+          </p:cNvPr>
+          <p:cNvSpPr>
+            <a:spLocks noGrp="1"/>
+          </p:cNvSpPr>
+          <p:nvPr>
+            <p:ph type="sldNum" sz="quarter" idx="3"/>
+          </p:nvPr>
+        </p:nvSpPr>
+        <p:spPr>
+          <a:xfrm>
+            <a:off x="3884613" y="8685213"/>
+            <a:ext cx="2971800" cy="458787"/>
+          </a:xfrm>
+          <a:prstGeom prst="rect">
+            <a:avLst/>
+          </a:prstGeom>
+        </p:spPr>
+        <p:txBody>
+          <a:bodyPr vert="horz" lIns="91440" tIns="45720" rIns="91440" bIns="45720" rtlCol="0" anchor="b"/>
+          <a:lstStyle>
+            <a:lvl1pPr algn="r">
+              <a:defRPr sz="1200"/>
+            </a:lvl1pPr>
+          </a:lstStyle>
+          <a:p>
+            <a:fld id="{D30AEC8A-0D15-4561-943D-267ABEBEC8F7}" type="slidenum">
+              <a:rPr lang="es-ES" smtClean="0"/>
+              <a:t>‹Nº›</a:t>
+            </a:fld>
+            <a:endParaRPr lang="es-ES"/>
+          </a:p>
+        </p:txBody>
+      </p:sp>
+    </p:spTree>
+    <p:extLst>
+      <p:ext uri="{BB962C8B-B14F-4D97-AF65-F5344CB8AC3E}">
+        <p14:creationId xmlns:p14="http://schemas.microsoft.com/office/powerpoint/2010/main" val="4213672088"/>
+      </p:ext>
+    </p:extLst>
+  </p:cSld>
+  <p:clrMap bg1="lt1" tx1="dk1" bg2="lt2" tx2="dk2" accent1="accent1" accent2="accent2" accent3="accent3" accent4="accent4" accent5="accent5" accent6="accent6" hlink="hlink" folHlink="folHlink"/>
+  <p:hf sldNum="0" hdr="0" ftr="0" dt="0"/>
+</p:handoutMaster>
+</file>
+
+<file path=ppt/notesMasters/notesMaster1.xml><?xml version="1.0" encoding="utf-8"?>
+<p:notesMaster xmlns:a="http://schemas.openxmlformats.org/drawingml/2006/main" xmlns:r="http://schemas.openxmlformats.org/officeDocument/2006/relationships" xmlns:p="http://schemas.openxmlformats.org/presentationml/2006/main">
+  <p:cSld>
+    <p:bg>
+      <p:bgRef idx="1001">
+        <a:schemeClr val="bg1"/>
+      </p:bgRef>
+    </p:bg>
+    <p:spTree>
+      <p:nvGrpSpPr>
+        <p:cNvPr id="1" name=""/>
+        <p:cNvGrpSpPr/>
+        <p:nvPr/>
+      </p:nvGrpSpPr>
+      <p:grpSpPr>
+        <a:xfrm>
+          <a:off x="0" y="0"/>
+          <a:ext cx="0" cy="0"/>
+          <a:chOff x="0" y="0"/>
+          <a:chExt cx="0" cy="0"/>
+        </a:xfrm>
+      </p:grpSpPr>
+      <p:sp>
+        <p:nvSpPr>
+          <p:cNvPr id="2" name="Marcador de encabezado 1"/>
+          <p:cNvSpPr>
+            <a:spLocks noGrp="1"/>
+          </p:cNvSpPr>
+          <p:nvPr>
+            <p:ph type="hdr" sz="quarter"/>
+          </p:nvPr>
+        </p:nvSpPr>
+        <p:spPr>
+          <a:xfrm>
+            <a:off x="0" y="0"/>
+            <a:ext cx="2971800" cy="458788"/>
+          </a:xfrm>
+          <a:prstGeom prst="rect">
+            <a:avLst/>
+          </a:prstGeom>
+        </p:spPr>
+        <p:txBody>
+          <a:bodyPr vert="horz" lIns="91440" tIns="45720" rIns="91440" bIns="45720" rtlCol="0"/>
+          <a:lstStyle>
+            <a:lvl1pPr algn="l">
+              <a:defRPr sz="1200"/>
+            </a:lvl1pPr>
+          </a:lstStyle>
+          <a:p>
+            <a:endParaRPr lang="es-ES"/>
+          </a:p>
+        </p:txBody>
+      </p:sp>
+      <p:sp>
+        <p:nvSpPr>
+          <p:cNvPr id="3" name="Marcador de fecha 2"/>
+          <p:cNvSpPr>
+            <a:spLocks noGrp="1"/>
+          </p:cNvSpPr>
+          <p:nvPr>
+            <p:ph type="dt" idx="1"/>
+          </p:nvPr>
+        </p:nvSpPr>
+        <p:spPr>
+          <a:xfrm>
+            <a:off x="3884613" y="0"/>
+            <a:ext cx="2971800" cy="458788"/>
+          </a:xfrm>
+          <a:prstGeom prst="rect">
+            <a:avLst/>
+          </a:prstGeom>
+        </p:spPr>
+        <p:txBody>
+          <a:bodyPr vert="horz" lIns="91440" tIns="45720" rIns="91440" bIns="45720" rtlCol="0"/>
+          <a:lstStyle>
+            <a:lvl1pPr algn="r">
+              <a:defRPr sz="1200"/>
+            </a:lvl1pPr>
+          </a:lstStyle>
+          <a:p>
+            <a:fld id="{1CF3FCA3-05A6-45BF-A930-4BEA47FDD702}" type="datetimeFigureOut">
+              <a:rPr lang="es-ES" smtClean="0"/>
+              <a:t>21/03/2022</a:t>
+            </a:fld>
+            <a:endParaRPr lang="es-ES"/>
+          </a:p>
+        </p:txBody>
+      </p:sp>
+      <p:sp>
+        <p:nvSpPr>
+          <p:cNvPr id="4" name="Marcador de imagen de diapositiva 3"/>
+          <p:cNvSpPr>
+            <a:spLocks noGrp="1" noRot="1" noChangeAspect="1"/>
+          </p:cNvSpPr>
+          <p:nvPr>
+            <p:ph type="sldImg" idx="2"/>
+          </p:nvPr>
+        </p:nvSpPr>
+        <p:spPr>
+          <a:xfrm>
+            <a:off x="685800" y="1143000"/>
+            <a:ext cx="5486400" cy="3086100"/>
+          </a:xfrm>
+          <a:prstGeom prst="rect">
+            <a:avLst/>
+          </a:prstGeom>
+          <a:noFill/>
+          <a:ln w="12700">
+            <a:solidFill>
+              <a:prstClr val="black"/>
+            </a:solidFill>
+          </a:ln>
+        </p:spPr>
+        <p:txBody>
+          <a:bodyPr vert="horz" lIns="91440" tIns="45720" rIns="91440" bIns="45720" rtlCol="0" anchor="ctr"/>
+          <a:lstStyle/>
+          <a:p>
+            <a:endParaRPr lang="es-ES"/>
+          </a:p>
+        </p:txBody>
+      </p:sp>
+      <p:sp>
+        <p:nvSpPr>
+          <p:cNvPr id="5" name="Marcador de notas 4"/>
+          <p:cNvSpPr>
+            <a:spLocks noGrp="1"/>
+          </p:cNvSpPr>
+          <p:nvPr>
+            <p:ph type="body" sz="quarter" idx="3"/>
+          </p:nvPr>
+        </p:nvSpPr>
+        <p:spPr>
+          <a:xfrm>
+            <a:off x="685800" y="4400550"/>
+            <a:ext cx="5486400" cy="3600450"/>
+          </a:xfrm>
+          <a:prstGeom prst="rect">
+            <a:avLst/>
+          </a:prstGeom>
+        </p:spPr>
+        <p:txBody>
+          <a:bodyPr vert="horz" lIns="91440" tIns="45720" rIns="91440" bIns="45720" rtlCol="0"/>
+          <a:lstStyle/>
+          <a:p>
+            <a:pPr lvl="0"/>
+            <a:r>
+              <a:rPr lang="es-ES"/>
+              <a:t>Haga clic para modificar los estilos de texto del patrón</a:t>
+            </a:r>
+          </a:p>
+          <a:p>
+            <a:pPr lvl="1"/>
+            <a:r>
+              <a:rPr lang="es-ES"/>
+              <a:t>Segundo nivel</a:t>
+            </a:r>
+          </a:p>
+          <a:p>
+            <a:pPr lvl="2"/>
+            <a:r>
+              <a:rPr lang="es-ES"/>
+              <a:t>Tercer nivel</a:t>
+            </a:r>
+          </a:p>
+          <a:p>
+            <a:pPr lvl="3"/>
+            <a:r>
+              <a:rPr lang="es-ES"/>
+              <a:t>Cuarto nivel</a:t>
+            </a:r>
+          </a:p>
+          <a:p>
+            <a:pPr lvl="4"/>
+            <a:r>
+              <a:rPr lang="es-ES"/>
+              <a:t>Quinto nivel</a:t>
+            </a:r>
+          </a:p>
+        </p:txBody>
+      </p:sp>
+      <p:sp>
+        <p:nvSpPr>
+          <p:cNvPr id="6" name="Marcador de pie de página 5"/>
+          <p:cNvSpPr>
+            <a:spLocks noGrp="1"/>
+          </p:cNvSpPr>
+          <p:nvPr>
+            <p:ph type="ftr" sz="quarter" idx="4"/>
+          </p:nvPr>
+        </p:nvSpPr>
+        <p:spPr>
+          <a:xfrm>
+            <a:off x="0" y="8685213"/>
+            <a:ext cx="2971800" cy="458787"/>
+          </a:xfrm>
+          <a:prstGeom prst="rect">
+            <a:avLst/>
+          </a:prstGeom>
+        </p:spPr>
+        <p:txBody>
+          <a:bodyPr vert="horz" lIns="91440" tIns="45720" rIns="91440" bIns="45720" rtlCol="0" anchor="b"/>
+          <a:lstStyle>
+            <a:lvl1pPr algn="l">
+              <a:defRPr sz="1200"/>
+            </a:lvl1pPr>
+          </a:lstStyle>
+          <a:p>
+            <a:r>
+              <a:rPr lang="es-ES"/>
+              <a:t>Web Comercial Iberdrola - NTTDATA</a:t>
+            </a:r>
+          </a:p>
+        </p:txBody>
+      </p:sp>
+      <p:sp>
+        <p:nvSpPr>
+          <p:cNvPr id="7" name="Marcador de número de diapositiva 6"/>
+          <p:cNvSpPr>
+            <a:spLocks noGrp="1"/>
+          </p:cNvSpPr>
+          <p:nvPr>
+            <p:ph type="sldNum" sz="quarter" idx="5"/>
+          </p:nvPr>
+        </p:nvSpPr>
+        <p:spPr>
+          <a:xfrm>
+            <a:off x="3884613" y="8685213"/>
+            <a:ext cx="2971800" cy="458787"/>
+          </a:xfrm>
+          <a:prstGeom prst="rect">
+            <a:avLst/>
+          </a:prstGeom>
+        </p:spPr>
+        <p:txBody>
+          <a:bodyPr vert="horz" lIns="91440" tIns="45720" rIns="91440" bIns="45720" rtlCol="0" anchor="b"/>
+          <a:lstStyle>
+            <a:lvl1pPr algn="r">
+              <a:defRPr sz="1200"/>
+            </a:lvl1pPr>
+          </a:lstStyle>
+          <a:p>
+            <a:fld id="{52FC8783-8F07-4C9B-B57A-2E8CF19CCA03}" type="slidenum">
+              <a:rPr lang="es-ES" smtClean="0"/>
+              <a:t>‹Nº›</a:t>
+            </a:fld>
+            <a:endParaRPr lang="es-ES"/>
+          </a:p>
+        </p:txBody>
+      </p:sp>
+    </p:spTree>
+    <p:extLst>
+      <p:ext uri="{BB962C8B-B14F-4D97-AF65-F5344CB8AC3E}">
+        <p14:creationId xmlns:p14="http://schemas.microsoft.com/office/powerpoint/2010/main" val="2816066644"/>
+      </p:ext>
+    </p:extLst>
+  </p:cSld>
+  <p:clrMap bg1="lt1" tx1="dk1" bg2="lt2" tx2="dk2" accent1="accent1" accent2="accent2" accent3="accent3" accent4="accent4" accent5="accent5" accent6="accent6" hlink="hlink" folHlink="folHlink"/>
+  <p:hf sldNum="0" hdr="0" ftr="0" dt="0"/>
+  <p:notesStyle>
+    <a:lvl1pPr marL="0" algn="l" defTabSz="914400" rtl="0" eaLnBrk="1" latinLnBrk="0" hangingPunct="1">
+      <a:defRPr sz="1200" kern="1200">
+        <a:solidFill>
+          <a:schemeClr val="tx1"/>
+        </a:solidFill>
+        <a:latin typeface="+mn-lt"/>
+        <a:ea typeface="+mn-ea"/>
+        <a:cs typeface="+mn-cs"/>
+      </a:defRPr>
+    </a:lvl1pPr>
+    <a:lvl2pPr marL="457200" algn="l" defTabSz="914400" rtl="0" eaLnBrk="1" latinLnBrk="0" hangingPunct="1">
+      <a:defRPr sz="1200" kern="1200">
+        <a:solidFill>
+          <a:schemeClr val="tx1"/>
+        </a:solidFill>
+        <a:latin typeface="+mn-lt"/>
+        <a:ea typeface="+mn-ea"/>
+        <a:cs typeface="+mn-cs"/>
+      </a:defRPr>
+    </a:lvl2pPr>
+    <a:lvl3pPr marL="914400" algn="l" defTabSz="914400" rtl="0" eaLnBrk="1" latinLnBrk="0" hangingPunct="1">
+      <a:defRPr sz="1200" kern="1200">
+        <a:solidFill>
+          <a:schemeClr val="tx1"/>
+        </a:solidFill>
+        <a:latin typeface="+mn-lt"/>
+        <a:ea typeface="+mn-ea"/>
+        <a:cs typeface="+mn-cs"/>
+      </a:defRPr>
+    </a:lvl3pPr>
+    <a:lvl4pPr marL="1371600" algn="l" defTabSz="914400" rtl="0" eaLnBrk="1" latinLnBrk="0" hangingPunct="1">
+      <a:defRPr sz="1200" kern="1200">
+        <a:solidFill>
+          <a:schemeClr val="tx1"/>
+        </a:solidFill>
+        <a:latin typeface="+mn-lt"/>
+        <a:ea typeface="+mn-ea"/>
+        <a:cs typeface="+mn-cs"/>
+      </a:defRPr>
+    </a:lvl4pPr>
+    <a:lvl5pPr marL="1828800" algn="l" defTabSz="914400" rtl="0" eaLnBrk="1" latinLnBrk="0" hangingPunct="1">
+      <a:defRPr sz="1200" kern="1200">
+        <a:solidFill>
+          <a:schemeClr val="tx1"/>
+        </a:solidFill>
+        <a:latin typeface="+mn-lt"/>
+        <a:ea typeface="+mn-ea"/>
+        <a:cs typeface="+mn-cs"/>
+      </a:defRPr>
+    </a:lvl5pPr>
+    <a:lvl6pPr marL="2286000" algn="l" defTabSz="914400" rtl="0" eaLnBrk="1" latinLnBrk="0" hangingPunct="1">
+      <a:defRPr sz="1200" kern="1200">
+        <a:solidFill>
+          <a:schemeClr val="tx1"/>
+        </a:solidFill>
+        <a:latin typeface="+mn-lt"/>
+        <a:ea typeface="+mn-ea"/>
+        <a:cs typeface="+mn-cs"/>
+      </a:defRPr>
+    </a:lvl6pPr>
+    <a:lvl7pPr marL="2743200" algn="l" defTabSz="914400" rtl="0" eaLnBrk="1" latinLnBrk="0" hangingPunct="1">
+      <a:defRPr sz="1200" kern="1200">
+        <a:solidFill>
+          <a:schemeClr val="tx1"/>
+        </a:solidFill>
+        <a:latin typeface="+mn-lt"/>
+        <a:ea typeface="+mn-ea"/>
+        <a:cs typeface="+mn-cs"/>
+      </a:defRPr>
+    </a:lvl7pPr>
+    <a:lvl8pPr marL="3200400" algn="l" defTabSz="914400" rtl="0" eaLnBrk="1" latinLnBrk="0" hangingPunct="1">
+      <a:defRPr sz="1200" kern="1200">
+        <a:solidFill>
+          <a:schemeClr val="tx1"/>
+        </a:solidFill>
+        <a:latin typeface="+mn-lt"/>
+        <a:ea typeface="+mn-ea"/>
+        <a:cs typeface="+mn-cs"/>
+      </a:defRPr>
+    </a:lvl8pPr>
+    <a:lvl9pPr marL="3657600" algn="l" defTabSz="914400" rtl="0" eaLnBrk="1" latinLnBrk="0" hangingPunct="1">
+      <a:defRPr sz="1200" kern="1200">
+        <a:solidFill>
+          <a:schemeClr val="tx1"/>
+        </a:solidFill>
+        <a:latin typeface="+mn-lt"/>
+        <a:ea typeface="+mn-ea"/>
+        <a:cs typeface="+mn-cs"/>
+      </a:defRPr>
+    </a:lvl9pPr>
+  </p:notesStyle>
+</p:notesMaster>
+</file>
+
 <file path=ppt/slideLayouts/slideLayout1.xml><?xml version="1.0" encoding="utf-8"?>
 <p:sldLayout xmlns:a="http://schemas.openxmlformats.org/drawingml/2006/main" xmlns:r="http://schemas.openxmlformats.org/officeDocument/2006/relationships" xmlns:p="http://schemas.openxmlformats.org/presentationml/2006/main" showMasterSp="0" type="title" preserve="1">
   <p:cSld name="Diapositiva de título">
@@ -659,10 +1482,9 @@
             </a:lvl1pPr>
           </a:lstStyle>
           <a:p>
-            <a:fld id="{87DE6118-2437-4B30-8E3C-4D2BE6020583}" type="datetimeFigureOut">
-              <a:rPr lang="en-US" dirty="0"/>
-              <a:pPr/>
-              <a:t>3/17/2022</a:t>
+            <a:fld id="{0462F941-0C75-4EC7-8D24-11E6A4D59AE5}" type="datetime1">
+              <a:rPr lang="en-US" smtClean="0"/>
+              <a:t>3/21/2022</a:t>
             </a:fld>
             <a:endParaRPr lang="en-US" dirty="0"/>
           </a:p>
@@ -696,7 +1518,10 @@
             </a:lvl1pPr>
           </a:lstStyle>
           <a:p>
-            <a:endParaRPr lang="en-US" dirty="0"/>
+            <a:r>
+              <a:rPr lang="en-US" dirty="0"/>
+              <a:t>Web Comercial Iberdrola - NTTDATA</a:t>
+            </a:r>
           </a:p>
         </p:txBody>
       </p:sp>
@@ -986,9 +1811,9 @@
           <a:bodyPr/>
           <a:lstStyle/>
           <a:p>
-            <a:fld id="{87DE6118-2437-4B30-8E3C-4D2BE6020583}" type="datetimeFigureOut">
-              <a:rPr lang="en-US" dirty="0"/>
-              <a:t>3/17/2022</a:t>
+            <a:fld id="{C4E9F90E-D6BC-489A-B112-083348BDAB6E}" type="datetime1">
+              <a:rPr lang="en-US" smtClean="0"/>
+              <a:t>3/21/2022</a:t>
             </a:fld>
             <a:endParaRPr lang="en-US" dirty="0"/>
           </a:p>
@@ -1009,7 +1834,10 @@
           <a:bodyPr/>
           <a:lstStyle/>
           <a:p>
-            <a:endParaRPr lang="en-US" dirty="0"/>
+            <a:r>
+              <a:rPr lang="en-US" dirty="0"/>
+              <a:t>Web Comercial Iberdrola - NTTDATA</a:t>
+            </a:r>
           </a:p>
         </p:txBody>
       </p:sp>
@@ -1161,9 +1989,9 @@
           <a:bodyPr/>
           <a:lstStyle/>
           <a:p>
-            <a:fld id="{87DE6118-2437-4B30-8E3C-4D2BE6020583}" type="datetimeFigureOut">
-              <a:rPr lang="en-US" dirty="0"/>
-              <a:t>3/17/2022</a:t>
+            <a:fld id="{59767237-FFB1-4E3C-9063-A8CDD16B296C}" type="datetime1">
+              <a:rPr lang="en-US" smtClean="0"/>
+              <a:t>3/21/2022</a:t>
             </a:fld>
             <a:endParaRPr lang="en-US" dirty="0"/>
           </a:p>
@@ -1184,7 +2012,10 @@
           <a:bodyPr/>
           <a:lstStyle/>
           <a:p>
-            <a:endParaRPr lang="en-US" dirty="0"/>
+            <a:r>
+              <a:rPr lang="en-US" dirty="0"/>
+              <a:t>Web Comercial Iberdrola - NTTDATA</a:t>
+            </a:r>
           </a:p>
         </p:txBody>
       </p:sp>
@@ -1326,9 +2157,9 @@
           <a:bodyPr/>
           <a:lstStyle/>
           <a:p>
-            <a:fld id="{87DE6118-2437-4B30-8E3C-4D2BE6020583}" type="datetimeFigureOut">
-              <a:rPr lang="en-US" dirty="0"/>
-              <a:t>3/17/2022</a:t>
+            <a:fld id="{3B07E1A2-7569-41BB-9CB8-FA0DBAA16E02}" type="datetime1">
+              <a:rPr lang="en-US" smtClean="0"/>
+              <a:t>3/21/2022</a:t>
             </a:fld>
             <a:endParaRPr lang="en-US" dirty="0"/>
           </a:p>
@@ -1349,7 +2180,10 @@
           <a:bodyPr/>
           <a:lstStyle/>
           <a:p>
-            <a:endParaRPr lang="en-US" dirty="0"/>
+            <a:r>
+              <a:rPr lang="en-US" dirty="0"/>
+              <a:t>Web Comercial Iberdrola - NTTDATA</a:t>
+            </a:r>
           </a:p>
         </p:txBody>
       </p:sp>
@@ -1598,10 +2432,9 @@
             </a:lvl1pPr>
           </a:lstStyle>
           <a:p>
-            <a:fld id="{87DE6118-2437-4B30-8E3C-4D2BE6020583}" type="datetimeFigureOut">
-              <a:rPr lang="en-US" dirty="0"/>
-              <a:pPr/>
-              <a:t>3/17/2022</a:t>
+            <a:fld id="{3F7EA959-A5DD-4B81-A93A-E9F3A309AC41}" type="datetime1">
+              <a:rPr lang="en-US" smtClean="0"/>
+              <a:t>3/21/2022</a:t>
             </a:fld>
             <a:endParaRPr lang="en-US" dirty="0"/>
           </a:p>
@@ -1635,7 +2468,10 @@
             </a:lvl1pPr>
           </a:lstStyle>
           <a:p>
-            <a:endParaRPr lang="en-US" dirty="0"/>
+            <a:r>
+              <a:rPr lang="en-US" dirty="0"/>
+              <a:t>Web Comercial Iberdrola - NTTDATA</a:t>
+            </a:r>
           </a:p>
         </p:txBody>
       </p:sp>
@@ -1989,9 +2825,9 @@
           <a:bodyPr/>
           <a:lstStyle/>
           <a:p>
-            <a:fld id="{87DE6118-2437-4B30-8E3C-4D2BE6020583}" type="datetimeFigureOut">
-              <a:rPr lang="en-US" dirty="0"/>
-              <a:t>3/17/2022</a:t>
+            <a:fld id="{79B95779-4E8B-4328-A6C5-7571689E6CF3}" type="datetime1">
+              <a:rPr lang="en-US" smtClean="0"/>
+              <a:t>3/21/2022</a:t>
             </a:fld>
             <a:endParaRPr lang="en-US" dirty="0"/>
           </a:p>
@@ -2012,7 +2848,10 @@
           <a:bodyPr/>
           <a:lstStyle/>
           <a:p>
-            <a:endParaRPr lang="en-US" dirty="0"/>
+            <a:r>
+              <a:rPr lang="en-US" dirty="0"/>
+              <a:t>Web Comercial Iberdrola - NTTDATA</a:t>
+            </a:r>
           </a:p>
         </p:txBody>
       </p:sp>
@@ -2461,9 +3300,9 @@
           <a:bodyPr/>
           <a:lstStyle/>
           <a:p>
-            <a:fld id="{87DE6118-2437-4B30-8E3C-4D2BE6020583}" type="datetimeFigureOut">
-              <a:rPr lang="en-US" dirty="0"/>
-              <a:t>3/17/2022</a:t>
+            <a:fld id="{3BABA54D-1D4A-4EC7-A95A-EA1A922634FD}" type="datetime1">
+              <a:rPr lang="en-US" smtClean="0"/>
+              <a:t>3/21/2022</a:t>
             </a:fld>
             <a:endParaRPr lang="en-US" dirty="0"/>
           </a:p>
@@ -2484,7 +3323,10 @@
           <a:bodyPr/>
           <a:lstStyle/>
           <a:p>
-            <a:endParaRPr lang="en-US" dirty="0"/>
+            <a:r>
+              <a:rPr lang="en-US" dirty="0"/>
+              <a:t>Web Comercial Iberdrola - NTTDATA</a:t>
+            </a:r>
           </a:p>
         </p:txBody>
       </p:sp>
@@ -2574,9 +3416,9 @@
           <a:bodyPr/>
           <a:lstStyle/>
           <a:p>
-            <a:fld id="{87DE6118-2437-4B30-8E3C-4D2BE6020583}" type="datetimeFigureOut">
-              <a:rPr lang="en-US" dirty="0"/>
-              <a:t>3/17/2022</a:t>
+            <a:fld id="{7153ACC3-9FB4-44D8-A5B2-077A948F2916}" type="datetime1">
+              <a:rPr lang="en-US" smtClean="0"/>
+              <a:t>3/21/2022</a:t>
             </a:fld>
             <a:endParaRPr lang="en-US" dirty="0"/>
           </a:p>
@@ -2597,7 +3439,10 @@
           <a:bodyPr/>
           <a:lstStyle/>
           <a:p>
-            <a:endParaRPr lang="en-US" dirty="0"/>
+            <a:r>
+              <a:rPr lang="en-US" dirty="0"/>
+              <a:t>Web Comercial Iberdrola - NTTDATA</a:t>
+            </a:r>
           </a:p>
         </p:txBody>
       </p:sp>
@@ -2664,9 +3509,9 @@
           <a:bodyPr/>
           <a:lstStyle/>
           <a:p>
-            <a:fld id="{87DE6118-2437-4B30-8E3C-4D2BE6020583}" type="datetimeFigureOut">
-              <a:rPr lang="en-US" dirty="0"/>
-              <a:t>3/17/2022</a:t>
+            <a:fld id="{7DB326B7-C306-40E4-8296-BB0287311ADD}" type="datetime1">
+              <a:rPr lang="en-US" smtClean="0"/>
+              <a:t>3/21/2022</a:t>
             </a:fld>
             <a:endParaRPr lang="en-US" dirty="0"/>
           </a:p>
@@ -2687,7 +3532,10 @@
           <a:bodyPr/>
           <a:lstStyle/>
           <a:p>
-            <a:endParaRPr lang="en-US" dirty="0"/>
+            <a:r>
+              <a:rPr lang="en-US" dirty="0"/>
+              <a:t>Web Comercial Iberdrola - NTTDATA</a:t>
+            </a:r>
           </a:p>
         </p:txBody>
       </p:sp>
@@ -3005,10 +3853,9 @@
             </a:lvl1pPr>
           </a:lstStyle>
           <a:p>
-            <a:fld id="{87DE6118-2437-4B30-8E3C-4D2BE6020583}" type="datetimeFigureOut">
-              <a:rPr lang="en-US" dirty="0"/>
-              <a:pPr/>
-              <a:t>3/17/2022</a:t>
+            <a:fld id="{3B7540DA-8E0A-475F-A6F7-809B0C1D10AB}" type="datetime1">
+              <a:rPr lang="en-US" smtClean="0"/>
+              <a:t>3/21/2022</a:t>
             </a:fld>
             <a:endParaRPr lang="en-US" dirty="0"/>
           </a:p>
@@ -3042,7 +3889,10 @@
             </a:lvl1pPr>
           </a:lstStyle>
           <a:p>
-            <a:endParaRPr lang="en-US" dirty="0"/>
+            <a:r>
+              <a:rPr lang="en-US" dirty="0"/>
+              <a:t>Web Comercial Iberdrola - NTTDATA</a:t>
+            </a:r>
           </a:p>
         </p:txBody>
       </p:sp>
@@ -3390,10 +4240,9 @@
             </a:lvl1pPr>
           </a:lstStyle>
           <a:p>
-            <a:fld id="{87DE6118-2437-4B30-8E3C-4D2BE6020583}" type="datetimeFigureOut">
-              <a:rPr lang="en-US" dirty="0"/>
-              <a:pPr/>
-              <a:t>3/17/2022</a:t>
+            <a:fld id="{8E281B6A-C44A-4EB4-8B98-FBB3DDF5B3AB}" type="datetime1">
+              <a:rPr lang="en-US" smtClean="0"/>
+              <a:t>3/21/2022</a:t>
             </a:fld>
             <a:endParaRPr lang="en-US" dirty="0"/>
           </a:p>
@@ -3427,7 +4276,10 @@
             </a:lvl1pPr>
           </a:lstStyle>
           <a:p>
-            <a:endParaRPr lang="en-US" dirty="0"/>
+            <a:r>
+              <a:rPr lang="en-US" dirty="0"/>
+              <a:t>Web Comercial Iberdrola - NTTDATA</a:t>
+            </a:r>
           </a:p>
         </p:txBody>
       </p:sp>
@@ -3665,10 +4517,9 @@
             </a:lvl1pPr>
           </a:lstStyle>
           <a:p>
-            <a:fld id="{87DE6118-2437-4B30-8E3C-4D2BE6020583}" type="datetimeFigureOut">
-              <a:rPr lang="en-US" dirty="0"/>
-              <a:pPr/>
-              <a:t>3/17/2022</a:t>
+            <a:fld id="{BD905884-1F19-4666-B609-068EE0BEA6EB}" type="datetime1">
+              <a:rPr lang="en-US" smtClean="0"/>
+              <a:t>3/21/2022</a:t>
             </a:fld>
             <a:endParaRPr lang="en-US" dirty="0"/>
           </a:p>
@@ -3705,7 +4556,10 @@
             </a:lvl1pPr>
           </a:lstStyle>
           <a:p>
-            <a:endParaRPr lang="en-US" dirty="0"/>
+            <a:r>
+              <a:rPr lang="en-US" dirty="0"/>
+              <a:t>Web Comercial Iberdrola - NTTDATA</a:t>
+            </a:r>
           </a:p>
         </p:txBody>
       </p:sp>
@@ -3803,6 +4657,7 @@
     <p:sldLayoutId id="2147483658" r:id="rId10"/>
     <p:sldLayoutId id="2147483659" r:id="rId11"/>
   </p:sldLayoutIdLst>
+  <p:hf hdr="0" dt="0"/>
   <p:txStyles>
     <p:titleStyle>
       <a:lvl1pPr algn="l" defTabSz="914400" rtl="0" eaLnBrk="1" latinLnBrk="0" hangingPunct="1">
@@ -4192,7 +5047,12 @@
             <p:ph type="ctrTitle"/>
           </p:nvPr>
         </p:nvSpPr>
-        <p:spPr/>
+        <p:spPr>
+          <a:xfrm>
+            <a:off x="1915124" y="838047"/>
+            <a:ext cx="8361229" cy="2098226"/>
+          </a:xfrm>
+        </p:spPr>
         <p:txBody>
           <a:bodyPr/>
           <a:lstStyle/>
@@ -4223,7 +5083,12 @@
             <p:ph type="subTitle" idx="1"/>
           </p:nvPr>
         </p:nvSpPr>
-        <p:spPr/>
+        <p:spPr>
+          <a:xfrm>
+            <a:off x="2679901" y="3107955"/>
+            <a:ext cx="6831673" cy="1086237"/>
+          </a:xfrm>
+        </p:spPr>
         <p:txBody>
           <a:bodyPr/>
           <a:lstStyle/>
@@ -4245,6 +5110,36 @@
           </a:p>
         </p:txBody>
       </p:sp>
+      <p:pic>
+        <p:nvPicPr>
+          <p:cNvPr id="9" name="Imagen 8">
+            <a:extLst>
+              <a:ext uri="{FF2B5EF4-FFF2-40B4-BE49-F238E27FC236}">
+                <a16:creationId xmlns:a16="http://schemas.microsoft.com/office/drawing/2014/main" id="{6A6A093D-B673-445D-81E6-5275039CDE7A}"/>
+              </a:ext>
+            </a:extLst>
+          </p:cNvPr>
+          <p:cNvPicPr>
+            <a:picLocks noChangeAspect="1"/>
+          </p:cNvPicPr>
+          <p:nvPr/>
+        </p:nvPicPr>
+        <p:blipFill>
+          <a:blip r:embed="rId2"/>
+          <a:stretch>
+            <a:fillRect/>
+          </a:stretch>
+        </p:blipFill>
+        <p:spPr>
+          <a:xfrm>
+            <a:off x="5052749" y="3751854"/>
+            <a:ext cx="2085975" cy="942975"/>
+          </a:xfrm>
+          <a:prstGeom prst="rect">
+            <a:avLst/>
+          </a:prstGeom>
+        </p:spPr>
+      </p:pic>
     </p:spTree>
     <p:extLst>
       <p:ext uri="{BB962C8B-B14F-4D97-AF65-F5344CB8AC3E}">
@@ -4543,6 +5438,68 @@
           </a:prstGeom>
         </p:spPr>
       </p:pic>
+      <p:sp>
+        <p:nvSpPr>
+          <p:cNvPr id="4" name="Marcador de pie de página 3">
+            <a:extLst>
+              <a:ext uri="{FF2B5EF4-FFF2-40B4-BE49-F238E27FC236}">
+                <a16:creationId xmlns:a16="http://schemas.microsoft.com/office/drawing/2014/main" id="{12B77335-B707-4BF1-9027-D14FA914F108}"/>
+              </a:ext>
+            </a:extLst>
+          </p:cNvPr>
+          <p:cNvSpPr>
+            <a:spLocks noGrp="1"/>
+          </p:cNvSpPr>
+          <p:nvPr>
+            <p:ph type="ftr" sz="quarter" idx="11"/>
+          </p:nvPr>
+        </p:nvSpPr>
+        <p:spPr>
+          <a:xfrm>
+            <a:off x="1371600" y="6453386"/>
+            <a:ext cx="7802794" cy="404614"/>
+          </a:xfrm>
+        </p:spPr>
+        <p:txBody>
+          <a:bodyPr/>
+          <a:lstStyle/>
+          <a:p>
+            <a:r>
+              <a:rPr lang="en-US" dirty="0"/>
+              <a:t>Web Comercial Iberdrola - NTTDATA</a:t>
+            </a:r>
+          </a:p>
+        </p:txBody>
+      </p:sp>
+      <p:sp>
+        <p:nvSpPr>
+          <p:cNvPr id="6" name="Marcador de número de diapositiva 5">
+            <a:extLst>
+              <a:ext uri="{FF2B5EF4-FFF2-40B4-BE49-F238E27FC236}">
+                <a16:creationId xmlns:a16="http://schemas.microsoft.com/office/drawing/2014/main" id="{7AB8D2C4-0B38-49F7-AD4B-171EF002B003}"/>
+              </a:ext>
+            </a:extLst>
+          </p:cNvPr>
+          <p:cNvSpPr>
+            <a:spLocks noGrp="1"/>
+          </p:cNvSpPr>
+          <p:nvPr>
+            <p:ph type="sldNum" sz="quarter" idx="12"/>
+          </p:nvPr>
+        </p:nvSpPr>
+        <p:spPr/>
+        <p:txBody>
+          <a:bodyPr/>
+          <a:lstStyle/>
+          <a:p>
+            <a:fld id="{69E57DC2-970A-4B3E-BB1C-7A09969E49DF}" type="slidenum">
+              <a:rPr lang="en-US" smtClean="0"/>
+              <a:t>10</a:t>
+            </a:fld>
+            <a:endParaRPr lang="en-US" dirty="0"/>
+          </a:p>
+        </p:txBody>
+      </p:sp>
     </p:spTree>
     <p:extLst>
       <p:ext uri="{BB962C8B-B14F-4D97-AF65-F5344CB8AC3E}">
@@ -4921,6 +5878,68 @@
           </a:prstGeom>
         </p:spPr>
       </p:pic>
+      <p:sp>
+        <p:nvSpPr>
+          <p:cNvPr id="4" name="Marcador de pie de página 3">
+            <a:extLst>
+              <a:ext uri="{FF2B5EF4-FFF2-40B4-BE49-F238E27FC236}">
+                <a16:creationId xmlns:a16="http://schemas.microsoft.com/office/drawing/2014/main" id="{DABFA8E5-9356-48A1-827F-540DC81B0053}"/>
+              </a:ext>
+            </a:extLst>
+          </p:cNvPr>
+          <p:cNvSpPr>
+            <a:spLocks noGrp="1"/>
+          </p:cNvSpPr>
+          <p:nvPr>
+            <p:ph type="ftr" sz="quarter" idx="11"/>
+          </p:nvPr>
+        </p:nvSpPr>
+        <p:spPr>
+          <a:xfrm>
+            <a:off x="1371600" y="6453386"/>
+            <a:ext cx="7802794" cy="404614"/>
+          </a:xfrm>
+        </p:spPr>
+        <p:txBody>
+          <a:bodyPr/>
+          <a:lstStyle/>
+          <a:p>
+            <a:r>
+              <a:rPr lang="en-US" dirty="0"/>
+              <a:t>Web Comercial Iberdrola - NTTDATA</a:t>
+            </a:r>
+          </a:p>
+        </p:txBody>
+      </p:sp>
+      <p:sp>
+        <p:nvSpPr>
+          <p:cNvPr id="6" name="Marcador de número de diapositiva 5">
+            <a:extLst>
+              <a:ext uri="{FF2B5EF4-FFF2-40B4-BE49-F238E27FC236}">
+                <a16:creationId xmlns:a16="http://schemas.microsoft.com/office/drawing/2014/main" id="{B3E875DD-B1B7-4386-A9B6-74F2E9CFC90D}"/>
+              </a:ext>
+            </a:extLst>
+          </p:cNvPr>
+          <p:cNvSpPr>
+            <a:spLocks noGrp="1"/>
+          </p:cNvSpPr>
+          <p:nvPr>
+            <p:ph type="sldNum" sz="quarter" idx="12"/>
+          </p:nvPr>
+        </p:nvSpPr>
+        <p:spPr/>
+        <p:txBody>
+          <a:bodyPr/>
+          <a:lstStyle/>
+          <a:p>
+            <a:fld id="{69E57DC2-970A-4B3E-BB1C-7A09969E49DF}" type="slidenum">
+              <a:rPr lang="en-US" smtClean="0"/>
+              <a:t>11</a:t>
+            </a:fld>
+            <a:endParaRPr lang="en-US" dirty="0"/>
+          </a:p>
+        </p:txBody>
+      </p:sp>
     </p:spTree>
     <p:extLst>
       <p:ext uri="{BB962C8B-B14F-4D97-AF65-F5344CB8AC3E}">
@@ -5247,6 +6266,68 @@
           </a:prstGeom>
         </p:spPr>
       </p:pic>
+      <p:sp>
+        <p:nvSpPr>
+          <p:cNvPr id="4" name="Marcador de pie de página 3">
+            <a:extLst>
+              <a:ext uri="{FF2B5EF4-FFF2-40B4-BE49-F238E27FC236}">
+                <a16:creationId xmlns:a16="http://schemas.microsoft.com/office/drawing/2014/main" id="{B3204065-A1BB-4734-8ACA-923E0A3CFD4A}"/>
+              </a:ext>
+            </a:extLst>
+          </p:cNvPr>
+          <p:cNvSpPr>
+            <a:spLocks noGrp="1"/>
+          </p:cNvSpPr>
+          <p:nvPr>
+            <p:ph type="ftr" sz="quarter" idx="11"/>
+          </p:nvPr>
+        </p:nvSpPr>
+        <p:spPr>
+          <a:xfrm>
+            <a:off x="1371600" y="6453386"/>
+            <a:ext cx="7802794" cy="404614"/>
+          </a:xfrm>
+        </p:spPr>
+        <p:txBody>
+          <a:bodyPr/>
+          <a:lstStyle/>
+          <a:p>
+            <a:r>
+              <a:rPr lang="en-US" dirty="0"/>
+              <a:t>Web Comercial Iberdrola - NTTDATA</a:t>
+            </a:r>
+          </a:p>
+        </p:txBody>
+      </p:sp>
+      <p:sp>
+        <p:nvSpPr>
+          <p:cNvPr id="6" name="Marcador de número de diapositiva 5">
+            <a:extLst>
+              <a:ext uri="{FF2B5EF4-FFF2-40B4-BE49-F238E27FC236}">
+                <a16:creationId xmlns:a16="http://schemas.microsoft.com/office/drawing/2014/main" id="{E6AD9C51-8F99-4376-9342-49A914E87545}"/>
+              </a:ext>
+            </a:extLst>
+          </p:cNvPr>
+          <p:cNvSpPr>
+            <a:spLocks noGrp="1"/>
+          </p:cNvSpPr>
+          <p:nvPr>
+            <p:ph type="sldNum" sz="quarter" idx="12"/>
+          </p:nvPr>
+        </p:nvSpPr>
+        <p:spPr/>
+        <p:txBody>
+          <a:bodyPr/>
+          <a:lstStyle/>
+          <a:p>
+            <a:fld id="{69E57DC2-970A-4B3E-BB1C-7A09969E49DF}" type="slidenum">
+              <a:rPr lang="en-US" smtClean="0"/>
+              <a:t>12</a:t>
+            </a:fld>
+            <a:endParaRPr lang="en-US" dirty="0"/>
+          </a:p>
+        </p:txBody>
+      </p:sp>
     </p:spTree>
     <p:extLst>
       <p:ext uri="{BB962C8B-B14F-4D97-AF65-F5344CB8AC3E}">
@@ -5496,6 +6577,68 @@
           </a:prstGeom>
         </p:spPr>
       </p:pic>
+      <p:sp>
+        <p:nvSpPr>
+          <p:cNvPr id="4" name="Marcador de pie de página 3">
+            <a:extLst>
+              <a:ext uri="{FF2B5EF4-FFF2-40B4-BE49-F238E27FC236}">
+                <a16:creationId xmlns:a16="http://schemas.microsoft.com/office/drawing/2014/main" id="{CF983877-0AD6-4019-A8CE-BC45D9BCCCDB}"/>
+              </a:ext>
+            </a:extLst>
+          </p:cNvPr>
+          <p:cNvSpPr>
+            <a:spLocks noGrp="1"/>
+          </p:cNvSpPr>
+          <p:nvPr>
+            <p:ph type="ftr" sz="quarter" idx="11"/>
+          </p:nvPr>
+        </p:nvSpPr>
+        <p:spPr>
+          <a:xfrm>
+            <a:off x="1371600" y="6453386"/>
+            <a:ext cx="7802794" cy="404614"/>
+          </a:xfrm>
+        </p:spPr>
+        <p:txBody>
+          <a:bodyPr/>
+          <a:lstStyle/>
+          <a:p>
+            <a:r>
+              <a:rPr lang="en-US" dirty="0"/>
+              <a:t>Web Comercial Iberdrola - NTTDATA</a:t>
+            </a:r>
+          </a:p>
+        </p:txBody>
+      </p:sp>
+      <p:sp>
+        <p:nvSpPr>
+          <p:cNvPr id="6" name="Marcador de número de diapositiva 5">
+            <a:extLst>
+              <a:ext uri="{FF2B5EF4-FFF2-40B4-BE49-F238E27FC236}">
+                <a16:creationId xmlns:a16="http://schemas.microsoft.com/office/drawing/2014/main" id="{DC1A2B87-9620-48CD-8DBB-2653F4AC4495}"/>
+              </a:ext>
+            </a:extLst>
+          </p:cNvPr>
+          <p:cNvSpPr>
+            <a:spLocks noGrp="1"/>
+          </p:cNvSpPr>
+          <p:nvPr>
+            <p:ph type="sldNum" sz="quarter" idx="12"/>
+          </p:nvPr>
+        </p:nvSpPr>
+        <p:spPr/>
+        <p:txBody>
+          <a:bodyPr/>
+          <a:lstStyle/>
+          <a:p>
+            <a:fld id="{69E57DC2-970A-4B3E-BB1C-7A09969E49DF}" type="slidenum">
+              <a:rPr lang="en-US" smtClean="0"/>
+              <a:t>13</a:t>
+            </a:fld>
+            <a:endParaRPr lang="en-US" dirty="0"/>
+          </a:p>
+        </p:txBody>
+      </p:sp>
     </p:spTree>
     <p:extLst>
       <p:ext uri="{BB962C8B-B14F-4D97-AF65-F5344CB8AC3E}">
@@ -6031,6 +7174,68 @@
           </a:prstGeom>
         </p:spPr>
       </p:pic>
+      <p:sp>
+        <p:nvSpPr>
+          <p:cNvPr id="4" name="Marcador de pie de página 3">
+            <a:extLst>
+              <a:ext uri="{FF2B5EF4-FFF2-40B4-BE49-F238E27FC236}">
+                <a16:creationId xmlns:a16="http://schemas.microsoft.com/office/drawing/2014/main" id="{50D895F9-DAA0-4B04-B564-5D9434908C0F}"/>
+              </a:ext>
+            </a:extLst>
+          </p:cNvPr>
+          <p:cNvSpPr>
+            <a:spLocks noGrp="1"/>
+          </p:cNvSpPr>
+          <p:nvPr>
+            <p:ph type="ftr" sz="quarter" idx="11"/>
+          </p:nvPr>
+        </p:nvSpPr>
+        <p:spPr>
+          <a:xfrm>
+            <a:off x="1371600" y="6453386"/>
+            <a:ext cx="7802794" cy="404614"/>
+          </a:xfrm>
+        </p:spPr>
+        <p:txBody>
+          <a:bodyPr/>
+          <a:lstStyle/>
+          <a:p>
+            <a:r>
+              <a:rPr lang="en-US" dirty="0"/>
+              <a:t>Web Comercial Iberdrola - NTTDATA</a:t>
+            </a:r>
+          </a:p>
+        </p:txBody>
+      </p:sp>
+      <p:sp>
+        <p:nvSpPr>
+          <p:cNvPr id="6" name="Marcador de número de diapositiva 5">
+            <a:extLst>
+              <a:ext uri="{FF2B5EF4-FFF2-40B4-BE49-F238E27FC236}">
+                <a16:creationId xmlns:a16="http://schemas.microsoft.com/office/drawing/2014/main" id="{F3C3D72D-17FD-4EF3-B13B-B75E8FB6A88A}"/>
+              </a:ext>
+            </a:extLst>
+          </p:cNvPr>
+          <p:cNvSpPr>
+            <a:spLocks noGrp="1"/>
+          </p:cNvSpPr>
+          <p:nvPr>
+            <p:ph type="sldNum" sz="quarter" idx="12"/>
+          </p:nvPr>
+        </p:nvSpPr>
+        <p:spPr/>
+        <p:txBody>
+          <a:bodyPr/>
+          <a:lstStyle/>
+          <a:p>
+            <a:fld id="{69E57DC2-970A-4B3E-BB1C-7A09969E49DF}" type="slidenum">
+              <a:rPr lang="en-US" smtClean="0"/>
+              <a:t>14</a:t>
+            </a:fld>
+            <a:endParaRPr lang="en-US" dirty="0"/>
+          </a:p>
+        </p:txBody>
+      </p:sp>
     </p:spTree>
     <p:extLst>
       <p:ext uri="{BB962C8B-B14F-4D97-AF65-F5344CB8AC3E}">
@@ -6292,6 +7497,68 @@
           </a:prstGeom>
         </p:spPr>
       </p:pic>
+      <p:sp>
+        <p:nvSpPr>
+          <p:cNvPr id="4" name="Marcador de pie de página 3">
+            <a:extLst>
+              <a:ext uri="{FF2B5EF4-FFF2-40B4-BE49-F238E27FC236}">
+                <a16:creationId xmlns:a16="http://schemas.microsoft.com/office/drawing/2014/main" id="{E366D593-E6F8-4284-A588-77624C92EF03}"/>
+              </a:ext>
+            </a:extLst>
+          </p:cNvPr>
+          <p:cNvSpPr>
+            <a:spLocks noGrp="1"/>
+          </p:cNvSpPr>
+          <p:nvPr>
+            <p:ph type="ftr" sz="quarter" idx="11"/>
+          </p:nvPr>
+        </p:nvSpPr>
+        <p:spPr>
+          <a:xfrm>
+            <a:off x="1371600" y="6453386"/>
+            <a:ext cx="7802794" cy="404614"/>
+          </a:xfrm>
+        </p:spPr>
+        <p:txBody>
+          <a:bodyPr/>
+          <a:lstStyle/>
+          <a:p>
+            <a:r>
+              <a:rPr lang="en-US" dirty="0"/>
+              <a:t>Web Comercial Iberdrola - NTTDATA</a:t>
+            </a:r>
+          </a:p>
+        </p:txBody>
+      </p:sp>
+      <p:sp>
+        <p:nvSpPr>
+          <p:cNvPr id="5" name="Marcador de número de diapositiva 4">
+            <a:extLst>
+              <a:ext uri="{FF2B5EF4-FFF2-40B4-BE49-F238E27FC236}">
+                <a16:creationId xmlns:a16="http://schemas.microsoft.com/office/drawing/2014/main" id="{CEBE7E1A-CAE9-47D6-8737-91F30CF49C8C}"/>
+              </a:ext>
+            </a:extLst>
+          </p:cNvPr>
+          <p:cNvSpPr>
+            <a:spLocks noGrp="1"/>
+          </p:cNvSpPr>
+          <p:nvPr>
+            <p:ph type="sldNum" sz="quarter" idx="12"/>
+          </p:nvPr>
+        </p:nvSpPr>
+        <p:spPr/>
+        <p:txBody>
+          <a:bodyPr/>
+          <a:lstStyle/>
+          <a:p>
+            <a:fld id="{69E57DC2-970A-4B3E-BB1C-7A09969E49DF}" type="slidenum">
+              <a:rPr lang="en-US" smtClean="0"/>
+              <a:t>15</a:t>
+            </a:fld>
+            <a:endParaRPr lang="en-US" dirty="0"/>
+          </a:p>
+        </p:txBody>
+      </p:sp>
     </p:spTree>
     <p:extLst>
       <p:ext uri="{BB962C8B-B14F-4D97-AF65-F5344CB8AC3E}">
@@ -6622,6 +7889,68 @@
           </a:p>
         </p:txBody>
       </p:sp>
+      <p:sp>
+        <p:nvSpPr>
+          <p:cNvPr id="4" name="Marcador de pie de página 3">
+            <a:extLst>
+              <a:ext uri="{FF2B5EF4-FFF2-40B4-BE49-F238E27FC236}">
+                <a16:creationId xmlns:a16="http://schemas.microsoft.com/office/drawing/2014/main" id="{5006683D-EF07-4404-8662-59B114CF93DA}"/>
+              </a:ext>
+            </a:extLst>
+          </p:cNvPr>
+          <p:cNvSpPr>
+            <a:spLocks noGrp="1"/>
+          </p:cNvSpPr>
+          <p:nvPr>
+            <p:ph type="ftr" sz="quarter" idx="11"/>
+          </p:nvPr>
+        </p:nvSpPr>
+        <p:spPr>
+          <a:xfrm>
+            <a:off x="1371600" y="6453386"/>
+            <a:ext cx="7802794" cy="404614"/>
+          </a:xfrm>
+        </p:spPr>
+        <p:txBody>
+          <a:bodyPr/>
+          <a:lstStyle/>
+          <a:p>
+            <a:r>
+              <a:rPr lang="en-US" dirty="0"/>
+              <a:t>Web Comercial Iberdrola - NTTDATA</a:t>
+            </a:r>
+          </a:p>
+        </p:txBody>
+      </p:sp>
+      <p:sp>
+        <p:nvSpPr>
+          <p:cNvPr id="5" name="Marcador de número de diapositiva 4">
+            <a:extLst>
+              <a:ext uri="{FF2B5EF4-FFF2-40B4-BE49-F238E27FC236}">
+                <a16:creationId xmlns:a16="http://schemas.microsoft.com/office/drawing/2014/main" id="{50D2DEF5-FEE9-489D-9045-EEAB66839251}"/>
+              </a:ext>
+            </a:extLst>
+          </p:cNvPr>
+          <p:cNvSpPr>
+            <a:spLocks noGrp="1"/>
+          </p:cNvSpPr>
+          <p:nvPr>
+            <p:ph type="sldNum" sz="quarter" idx="12"/>
+          </p:nvPr>
+        </p:nvSpPr>
+        <p:spPr/>
+        <p:txBody>
+          <a:bodyPr/>
+          <a:lstStyle/>
+          <a:p>
+            <a:fld id="{69E57DC2-970A-4B3E-BB1C-7A09969E49DF}" type="slidenum">
+              <a:rPr lang="en-US" smtClean="0"/>
+              <a:t>2</a:t>
+            </a:fld>
+            <a:endParaRPr lang="en-US" dirty="0"/>
+          </a:p>
+        </p:txBody>
+      </p:sp>
     </p:spTree>
     <p:extLst>
       <p:ext uri="{BB962C8B-B14F-4D97-AF65-F5344CB8AC3E}">
@@ -6934,14 +8263,76 @@
         </p:blipFill>
         <p:spPr>
           <a:xfrm>
-            <a:off x="5249498" y="5025330"/>
-            <a:ext cx="1693003" cy="1684139"/>
+            <a:off x="5249499" y="5025331"/>
+            <a:ext cx="1435572" cy="1428056"/>
           </a:xfrm>
           <a:prstGeom prst="rect">
             <a:avLst/>
           </a:prstGeom>
         </p:spPr>
       </p:pic>
+      <p:sp>
+        <p:nvSpPr>
+          <p:cNvPr id="4" name="Marcador de pie de página 3">
+            <a:extLst>
+              <a:ext uri="{FF2B5EF4-FFF2-40B4-BE49-F238E27FC236}">
+                <a16:creationId xmlns:a16="http://schemas.microsoft.com/office/drawing/2014/main" id="{367E0B05-B609-4AFB-AC17-E1B0EFC1F20F}"/>
+              </a:ext>
+            </a:extLst>
+          </p:cNvPr>
+          <p:cNvSpPr>
+            <a:spLocks noGrp="1"/>
+          </p:cNvSpPr>
+          <p:nvPr>
+            <p:ph type="ftr" sz="quarter" idx="11"/>
+          </p:nvPr>
+        </p:nvSpPr>
+        <p:spPr>
+          <a:xfrm>
+            <a:off x="1371600" y="6453386"/>
+            <a:ext cx="7802794" cy="404614"/>
+          </a:xfrm>
+        </p:spPr>
+        <p:txBody>
+          <a:bodyPr/>
+          <a:lstStyle/>
+          <a:p>
+            <a:r>
+              <a:rPr lang="en-US" dirty="0"/>
+              <a:t>Web Comercial Iberdrola - NTTDATA</a:t>
+            </a:r>
+          </a:p>
+        </p:txBody>
+      </p:sp>
+      <p:sp>
+        <p:nvSpPr>
+          <p:cNvPr id="6" name="Marcador de número de diapositiva 5">
+            <a:extLst>
+              <a:ext uri="{FF2B5EF4-FFF2-40B4-BE49-F238E27FC236}">
+                <a16:creationId xmlns:a16="http://schemas.microsoft.com/office/drawing/2014/main" id="{88431A83-0A1D-4815-810C-83D618AA565B}"/>
+              </a:ext>
+            </a:extLst>
+          </p:cNvPr>
+          <p:cNvSpPr>
+            <a:spLocks noGrp="1"/>
+          </p:cNvSpPr>
+          <p:nvPr>
+            <p:ph type="sldNum" sz="quarter" idx="12"/>
+          </p:nvPr>
+        </p:nvSpPr>
+        <p:spPr/>
+        <p:txBody>
+          <a:bodyPr/>
+          <a:lstStyle/>
+          <a:p>
+            <a:fld id="{69E57DC2-970A-4B3E-BB1C-7A09969E49DF}" type="slidenum">
+              <a:rPr lang="en-US" smtClean="0"/>
+              <a:t>3</a:t>
+            </a:fld>
+            <a:endParaRPr lang="en-US" dirty="0"/>
+          </a:p>
+        </p:txBody>
+      </p:sp>
     </p:spTree>
     <p:extLst>
       <p:ext uri="{BB962C8B-B14F-4D97-AF65-F5344CB8AC3E}">
@@ -7275,6 +8666,68 @@
           </a:prstGeom>
         </p:spPr>
       </p:pic>
+      <p:sp>
+        <p:nvSpPr>
+          <p:cNvPr id="4" name="Marcador de pie de página 3">
+            <a:extLst>
+              <a:ext uri="{FF2B5EF4-FFF2-40B4-BE49-F238E27FC236}">
+                <a16:creationId xmlns:a16="http://schemas.microsoft.com/office/drawing/2014/main" id="{711A86D5-04F3-4AB5-BAE2-DFB171FF6E8D}"/>
+              </a:ext>
+            </a:extLst>
+          </p:cNvPr>
+          <p:cNvSpPr>
+            <a:spLocks noGrp="1"/>
+          </p:cNvSpPr>
+          <p:nvPr>
+            <p:ph type="ftr" sz="quarter" idx="11"/>
+          </p:nvPr>
+        </p:nvSpPr>
+        <p:spPr>
+          <a:xfrm>
+            <a:off x="1371600" y="6453386"/>
+            <a:ext cx="7802794" cy="404614"/>
+          </a:xfrm>
+        </p:spPr>
+        <p:txBody>
+          <a:bodyPr/>
+          <a:lstStyle/>
+          <a:p>
+            <a:r>
+              <a:rPr lang="en-US" dirty="0"/>
+              <a:t>Web Comercial Iberdrola - NTTDATA</a:t>
+            </a:r>
+          </a:p>
+        </p:txBody>
+      </p:sp>
+      <p:sp>
+        <p:nvSpPr>
+          <p:cNvPr id="6" name="Marcador de número de diapositiva 5">
+            <a:extLst>
+              <a:ext uri="{FF2B5EF4-FFF2-40B4-BE49-F238E27FC236}">
+                <a16:creationId xmlns:a16="http://schemas.microsoft.com/office/drawing/2014/main" id="{75DA021F-781F-4528-83CB-F30692A414D3}"/>
+              </a:ext>
+            </a:extLst>
+          </p:cNvPr>
+          <p:cNvSpPr>
+            <a:spLocks noGrp="1"/>
+          </p:cNvSpPr>
+          <p:nvPr>
+            <p:ph type="sldNum" sz="quarter" idx="12"/>
+          </p:nvPr>
+        </p:nvSpPr>
+        <p:spPr/>
+        <p:txBody>
+          <a:bodyPr/>
+          <a:lstStyle/>
+          <a:p>
+            <a:fld id="{69E57DC2-970A-4B3E-BB1C-7A09969E49DF}" type="slidenum">
+              <a:rPr lang="en-US" smtClean="0"/>
+              <a:t>4</a:t>
+            </a:fld>
+            <a:endParaRPr lang="en-US" dirty="0"/>
+          </a:p>
+        </p:txBody>
+      </p:sp>
     </p:spTree>
     <p:extLst>
       <p:ext uri="{BB962C8B-B14F-4D97-AF65-F5344CB8AC3E}">
@@ -7680,6 +9133,68 @@
           </a:prstGeom>
         </p:spPr>
       </p:pic>
+      <p:sp>
+        <p:nvSpPr>
+          <p:cNvPr id="4" name="Marcador de pie de página 3">
+            <a:extLst>
+              <a:ext uri="{FF2B5EF4-FFF2-40B4-BE49-F238E27FC236}">
+                <a16:creationId xmlns:a16="http://schemas.microsoft.com/office/drawing/2014/main" id="{F6900091-DDD3-4963-B93F-027C4596CEAD}"/>
+              </a:ext>
+            </a:extLst>
+          </p:cNvPr>
+          <p:cNvSpPr>
+            <a:spLocks noGrp="1"/>
+          </p:cNvSpPr>
+          <p:nvPr>
+            <p:ph type="ftr" sz="quarter" idx="11"/>
+          </p:nvPr>
+        </p:nvSpPr>
+        <p:spPr>
+          <a:xfrm>
+            <a:off x="1371600" y="6453386"/>
+            <a:ext cx="7802794" cy="404614"/>
+          </a:xfrm>
+        </p:spPr>
+        <p:txBody>
+          <a:bodyPr/>
+          <a:lstStyle/>
+          <a:p>
+            <a:r>
+              <a:rPr lang="en-US" dirty="0"/>
+              <a:t>Web Comercial Iberdrola - NTTDATA</a:t>
+            </a:r>
+          </a:p>
+        </p:txBody>
+      </p:sp>
+      <p:sp>
+        <p:nvSpPr>
+          <p:cNvPr id="6" name="Marcador de número de diapositiva 5">
+            <a:extLst>
+              <a:ext uri="{FF2B5EF4-FFF2-40B4-BE49-F238E27FC236}">
+                <a16:creationId xmlns:a16="http://schemas.microsoft.com/office/drawing/2014/main" id="{7D50567E-F718-438A-B7F5-992388B6B6B7}"/>
+              </a:ext>
+            </a:extLst>
+          </p:cNvPr>
+          <p:cNvSpPr>
+            <a:spLocks noGrp="1"/>
+          </p:cNvSpPr>
+          <p:nvPr>
+            <p:ph type="sldNum" sz="quarter" idx="12"/>
+          </p:nvPr>
+        </p:nvSpPr>
+        <p:spPr/>
+        <p:txBody>
+          <a:bodyPr/>
+          <a:lstStyle/>
+          <a:p>
+            <a:fld id="{69E57DC2-970A-4B3E-BB1C-7A09969E49DF}" type="slidenum">
+              <a:rPr lang="en-US" smtClean="0"/>
+              <a:t>5</a:t>
+            </a:fld>
+            <a:endParaRPr lang="en-US" dirty="0"/>
+          </a:p>
+        </p:txBody>
+      </p:sp>
     </p:spTree>
     <p:extLst>
       <p:ext uri="{BB962C8B-B14F-4D97-AF65-F5344CB8AC3E}">
@@ -8097,6 +9612,68 @@
           </a:p>
         </p:txBody>
       </p:sp>
+      <p:sp>
+        <p:nvSpPr>
+          <p:cNvPr id="4" name="Marcador de pie de página 3">
+            <a:extLst>
+              <a:ext uri="{FF2B5EF4-FFF2-40B4-BE49-F238E27FC236}">
+                <a16:creationId xmlns:a16="http://schemas.microsoft.com/office/drawing/2014/main" id="{F411B5F7-79C5-41B6-9E58-5D3D9920BA2C}"/>
+              </a:ext>
+            </a:extLst>
+          </p:cNvPr>
+          <p:cNvSpPr>
+            <a:spLocks noGrp="1"/>
+          </p:cNvSpPr>
+          <p:nvPr>
+            <p:ph type="ftr" sz="quarter" idx="11"/>
+          </p:nvPr>
+        </p:nvSpPr>
+        <p:spPr>
+          <a:xfrm>
+            <a:off x="1371600" y="6453386"/>
+            <a:ext cx="7802794" cy="404614"/>
+          </a:xfrm>
+        </p:spPr>
+        <p:txBody>
+          <a:bodyPr/>
+          <a:lstStyle/>
+          <a:p>
+            <a:r>
+              <a:rPr lang="en-US" dirty="0"/>
+              <a:t>Web Comercial Iberdrola - NTTDATA</a:t>
+            </a:r>
+          </a:p>
+        </p:txBody>
+      </p:sp>
+      <p:sp>
+        <p:nvSpPr>
+          <p:cNvPr id="5" name="Marcador de número de diapositiva 4">
+            <a:extLst>
+              <a:ext uri="{FF2B5EF4-FFF2-40B4-BE49-F238E27FC236}">
+                <a16:creationId xmlns:a16="http://schemas.microsoft.com/office/drawing/2014/main" id="{C0D873E5-9B48-422A-B65E-5FC29788E2C1}"/>
+              </a:ext>
+            </a:extLst>
+          </p:cNvPr>
+          <p:cNvSpPr>
+            <a:spLocks noGrp="1"/>
+          </p:cNvSpPr>
+          <p:nvPr>
+            <p:ph type="sldNum" sz="quarter" idx="12"/>
+          </p:nvPr>
+        </p:nvSpPr>
+        <p:spPr/>
+        <p:txBody>
+          <a:bodyPr/>
+          <a:lstStyle/>
+          <a:p>
+            <a:fld id="{69E57DC2-970A-4B3E-BB1C-7A09969E49DF}" type="slidenum">
+              <a:rPr lang="en-US" smtClean="0"/>
+              <a:t>6</a:t>
+            </a:fld>
+            <a:endParaRPr lang="en-US" dirty="0"/>
+          </a:p>
+        </p:txBody>
+      </p:sp>
     </p:spTree>
     <p:extLst>
       <p:ext uri="{BB962C8B-B14F-4D97-AF65-F5344CB8AC3E}">
@@ -8380,6 +9957,68 @@
           </a:p>
         </p:txBody>
       </p:sp>
+      <p:sp>
+        <p:nvSpPr>
+          <p:cNvPr id="4" name="Marcador de pie de página 3">
+            <a:extLst>
+              <a:ext uri="{FF2B5EF4-FFF2-40B4-BE49-F238E27FC236}">
+                <a16:creationId xmlns:a16="http://schemas.microsoft.com/office/drawing/2014/main" id="{E2FC8BCF-7DA3-41EC-BA74-D07E8C3CC55E}"/>
+              </a:ext>
+            </a:extLst>
+          </p:cNvPr>
+          <p:cNvSpPr>
+            <a:spLocks noGrp="1"/>
+          </p:cNvSpPr>
+          <p:nvPr>
+            <p:ph type="ftr" sz="quarter" idx="11"/>
+          </p:nvPr>
+        </p:nvSpPr>
+        <p:spPr>
+          <a:xfrm>
+            <a:off x="1371600" y="6453386"/>
+            <a:ext cx="7802794" cy="404614"/>
+          </a:xfrm>
+        </p:spPr>
+        <p:txBody>
+          <a:bodyPr/>
+          <a:lstStyle/>
+          <a:p>
+            <a:r>
+              <a:rPr lang="en-US" dirty="0"/>
+              <a:t>Web Comercial Iberdrola - NTTDATA</a:t>
+            </a:r>
+          </a:p>
+        </p:txBody>
+      </p:sp>
+      <p:sp>
+        <p:nvSpPr>
+          <p:cNvPr id="5" name="Marcador de número de diapositiva 4">
+            <a:extLst>
+              <a:ext uri="{FF2B5EF4-FFF2-40B4-BE49-F238E27FC236}">
+                <a16:creationId xmlns:a16="http://schemas.microsoft.com/office/drawing/2014/main" id="{9AA9F8D4-752F-4F0F-A4F5-EA772EE1AC2A}"/>
+              </a:ext>
+            </a:extLst>
+          </p:cNvPr>
+          <p:cNvSpPr>
+            <a:spLocks noGrp="1"/>
+          </p:cNvSpPr>
+          <p:nvPr>
+            <p:ph type="sldNum" sz="quarter" idx="12"/>
+          </p:nvPr>
+        </p:nvSpPr>
+        <p:spPr/>
+        <p:txBody>
+          <a:bodyPr/>
+          <a:lstStyle/>
+          <a:p>
+            <a:fld id="{69E57DC2-970A-4B3E-BB1C-7A09969E49DF}" type="slidenum">
+              <a:rPr lang="en-US" smtClean="0"/>
+              <a:t>7</a:t>
+            </a:fld>
+            <a:endParaRPr lang="en-US" dirty="0"/>
+          </a:p>
+        </p:txBody>
+      </p:sp>
     </p:spTree>
     <p:extLst>
       <p:ext uri="{BB962C8B-B14F-4D97-AF65-F5344CB8AC3E}">
@@ -8527,6 +10166,68 @@
           </a:prstGeom>
         </p:spPr>
       </p:pic>
+      <p:sp>
+        <p:nvSpPr>
+          <p:cNvPr id="4" name="Marcador de pie de página 3">
+            <a:extLst>
+              <a:ext uri="{FF2B5EF4-FFF2-40B4-BE49-F238E27FC236}">
+                <a16:creationId xmlns:a16="http://schemas.microsoft.com/office/drawing/2014/main" id="{1C34F96E-5E9D-48BD-B243-B06FE1CD7F3B}"/>
+              </a:ext>
+            </a:extLst>
+          </p:cNvPr>
+          <p:cNvSpPr>
+            <a:spLocks noGrp="1"/>
+          </p:cNvSpPr>
+          <p:nvPr>
+            <p:ph type="ftr" sz="quarter" idx="11"/>
+          </p:nvPr>
+        </p:nvSpPr>
+        <p:spPr>
+          <a:xfrm>
+            <a:off x="1371600" y="6453386"/>
+            <a:ext cx="7802794" cy="404614"/>
+          </a:xfrm>
+        </p:spPr>
+        <p:txBody>
+          <a:bodyPr/>
+          <a:lstStyle/>
+          <a:p>
+            <a:r>
+              <a:rPr lang="en-US" dirty="0"/>
+              <a:t>Web Comercial Iberdrola - NTTDATA</a:t>
+            </a:r>
+          </a:p>
+        </p:txBody>
+      </p:sp>
+      <p:sp>
+        <p:nvSpPr>
+          <p:cNvPr id="6" name="Marcador de número de diapositiva 5">
+            <a:extLst>
+              <a:ext uri="{FF2B5EF4-FFF2-40B4-BE49-F238E27FC236}">
+                <a16:creationId xmlns:a16="http://schemas.microsoft.com/office/drawing/2014/main" id="{0F615B38-5177-44B2-B59E-76209C49D826}"/>
+              </a:ext>
+            </a:extLst>
+          </p:cNvPr>
+          <p:cNvSpPr>
+            <a:spLocks noGrp="1"/>
+          </p:cNvSpPr>
+          <p:nvPr>
+            <p:ph type="sldNum" sz="quarter" idx="12"/>
+          </p:nvPr>
+        </p:nvSpPr>
+        <p:spPr/>
+        <p:txBody>
+          <a:bodyPr/>
+          <a:lstStyle/>
+          <a:p>
+            <a:fld id="{69E57DC2-970A-4B3E-BB1C-7A09969E49DF}" type="slidenum">
+              <a:rPr lang="en-US" smtClean="0"/>
+              <a:t>8</a:t>
+            </a:fld>
+            <a:endParaRPr lang="en-US" dirty="0"/>
+          </a:p>
+        </p:txBody>
+      </p:sp>
     </p:spTree>
     <p:extLst>
       <p:ext uri="{BB962C8B-B14F-4D97-AF65-F5344CB8AC3E}">
@@ -8930,6 +10631,68 @@
               </a:rPr>
               <a:t>);</a:t>
             </a:r>
+          </a:p>
+        </p:txBody>
+      </p:sp>
+      <p:sp>
+        <p:nvSpPr>
+          <p:cNvPr id="4" name="Marcador de pie de página 3">
+            <a:extLst>
+              <a:ext uri="{FF2B5EF4-FFF2-40B4-BE49-F238E27FC236}">
+                <a16:creationId xmlns:a16="http://schemas.microsoft.com/office/drawing/2014/main" id="{FDBC0380-3648-40B0-B140-E9CF4234C30A}"/>
+              </a:ext>
+            </a:extLst>
+          </p:cNvPr>
+          <p:cNvSpPr>
+            <a:spLocks noGrp="1"/>
+          </p:cNvSpPr>
+          <p:nvPr>
+            <p:ph type="ftr" sz="quarter" idx="11"/>
+          </p:nvPr>
+        </p:nvSpPr>
+        <p:spPr>
+          <a:xfrm>
+            <a:off x="1295400" y="6453386"/>
+            <a:ext cx="7878994" cy="404614"/>
+          </a:xfrm>
+        </p:spPr>
+        <p:txBody>
+          <a:bodyPr/>
+          <a:lstStyle/>
+          <a:p>
+            <a:r>
+              <a:rPr lang="en-US" dirty="0"/>
+              <a:t>Web Comercial Iberdrola - NTTDATA</a:t>
+            </a:r>
+          </a:p>
+        </p:txBody>
+      </p:sp>
+      <p:sp>
+        <p:nvSpPr>
+          <p:cNvPr id="7" name="Marcador de número de diapositiva 6">
+            <a:extLst>
+              <a:ext uri="{FF2B5EF4-FFF2-40B4-BE49-F238E27FC236}">
+                <a16:creationId xmlns:a16="http://schemas.microsoft.com/office/drawing/2014/main" id="{ED1819C2-D5D6-4F0D-BF3B-BE7B50A425C5}"/>
+              </a:ext>
+            </a:extLst>
+          </p:cNvPr>
+          <p:cNvSpPr>
+            <a:spLocks noGrp="1"/>
+          </p:cNvSpPr>
+          <p:nvPr>
+            <p:ph type="sldNum" sz="quarter" idx="12"/>
+          </p:nvPr>
+        </p:nvSpPr>
+        <p:spPr/>
+        <p:txBody>
+          <a:bodyPr/>
+          <a:lstStyle/>
+          <a:p>
+            <a:fld id="{69E57DC2-970A-4B3E-BB1C-7A09969E49DF}" type="slidenum">
+              <a:rPr lang="en-US" smtClean="0"/>
+              <a:t>9</a:t>
+            </a:fld>
+            <a:endParaRPr lang="en-US" dirty="0"/>
           </a:p>
         </p:txBody>
       </p:sp>
@@ -9204,6 +10967,596 @@
 </a:theme>
 </file>
 
+<file path=ppt/theme/theme2.xml><?xml version="1.0" encoding="utf-8"?>
+<a:theme xmlns:a="http://schemas.openxmlformats.org/drawingml/2006/main" name="Tema de Office">
+  <a:themeElements>
+    <a:clrScheme name="Office">
+      <a:dk1>
+        <a:sysClr val="windowText" lastClr="000000"/>
+      </a:dk1>
+      <a:lt1>
+        <a:sysClr val="window" lastClr="FFFFFF"/>
+      </a:lt1>
+      <a:dk2>
+        <a:srgbClr val="44546A"/>
+      </a:dk2>
+      <a:lt2>
+        <a:srgbClr val="E7E6E6"/>
+      </a:lt2>
+      <a:accent1>
+        <a:srgbClr val="4472C4"/>
+      </a:accent1>
+      <a:accent2>
+        <a:srgbClr val="ED7D31"/>
+      </a:accent2>
+      <a:accent3>
+        <a:srgbClr val="A5A5A5"/>
+      </a:accent3>
+      <a:accent4>
+        <a:srgbClr val="FFC000"/>
+      </a:accent4>
+      <a:accent5>
+        <a:srgbClr val="5B9BD5"/>
+      </a:accent5>
+      <a:accent6>
+        <a:srgbClr val="70AD47"/>
+      </a:accent6>
+      <a:hlink>
+        <a:srgbClr val="0563C1"/>
+      </a:hlink>
+      <a:folHlink>
+        <a:srgbClr val="954F72"/>
+      </a:folHlink>
+    </a:clrScheme>
+    <a:fontScheme name="Office">
+      <a:majorFont>
+        <a:latin typeface="Calibri Light" panose="020F0302020204030204"/>
+        <a:ea typeface=""/>
+        <a:cs typeface=""/>
+        <a:font script="Jpan" typeface="游ゴシック Light"/>
+        <a:font script="Hang" typeface="맑은 고딕"/>
+        <a:font script="Hans" typeface="等线 Light"/>
+        <a:font script="Hant" typeface="新細明體"/>
+        <a:font script="Arab" typeface="Times New Roman"/>
+        <a:font script="Hebr" typeface="Times New Roman"/>
+        <a:font script="Thai" typeface="Angsana New"/>
+        <a:font script="Ethi" typeface="Nyala"/>
+        <a:font script="Beng" typeface="Vrinda"/>
+        <a:font script="Gujr" typeface="Shruti"/>
+        <a:font script="Khmr" typeface="MoolBoran"/>
+        <a:font script="Knda" typeface="Tunga"/>
+        <a:font script="Guru" typeface="Raavi"/>
+        <a:font script="Cans" typeface="Euphemia"/>
+        <a:font script="Cher" typeface="Plantagenet Cherokee"/>
+        <a:font script="Yiii" typeface="Microsoft Yi Baiti"/>
+        <a:font script="Tibt" typeface="Microsoft Himalaya"/>
+        <a:font script="Thaa" typeface="MV Boli"/>
+        <a:font script="Deva" typeface="Mangal"/>
+        <a:font script="Telu" typeface="Gautami"/>
+        <a:font script="Taml" typeface="Latha"/>
+        <a:font script="Syrc" typeface="Estrangelo Edessa"/>
+        <a:font script="Orya" typeface="Kalinga"/>
+        <a:font script="Mlym" typeface="Kartika"/>
+        <a:font script="Laoo" typeface="DokChampa"/>
+        <a:font script="Sinh" typeface="Iskoola Pota"/>
+        <a:font script="Mong" typeface="Mongolian Baiti"/>
+        <a:font script="Viet" typeface="Times New Roman"/>
+        <a:font script="Uigh" typeface="Microsoft Uighur"/>
+        <a:font script="Geor" typeface="Sylfaen"/>
+        <a:font script="Armn" typeface="Arial"/>
+        <a:font script="Bugi" typeface="Leelawadee UI"/>
+        <a:font script="Bopo" typeface="Microsoft JhengHei"/>
+        <a:font script="Java" typeface="Javanese Text"/>
+        <a:font script="Lisu" typeface="Segoe UI"/>
+        <a:font script="Mymr" typeface="Myanmar Text"/>
+        <a:font script="Nkoo" typeface="Ebrima"/>
+        <a:font script="Olck" typeface="Nirmala UI"/>
+        <a:font script="Osma" typeface="Ebrima"/>
+        <a:font script="Phag" typeface="Phagspa"/>
+        <a:font script="Syrn" typeface="Estrangelo Edessa"/>
+        <a:font script="Syrj" typeface="Estrangelo Edessa"/>
+        <a:font script="Syre" typeface="Estrangelo Edessa"/>
+        <a:font script="Sora" typeface="Nirmala UI"/>
+        <a:font script="Tale" typeface="Microsoft Tai Le"/>
+        <a:font script="Talu" typeface="Microsoft New Tai Lue"/>
+        <a:font script="Tfng" typeface="Ebrima"/>
+      </a:majorFont>
+      <a:minorFont>
+        <a:latin typeface="Calibri" panose="020F0502020204030204"/>
+        <a:ea typeface=""/>
+        <a:cs typeface=""/>
+        <a:font script="Jpan" typeface="游ゴシック"/>
+        <a:font script="Hang" typeface="맑은 고딕"/>
+        <a:font script="Hans" typeface="等线"/>
+        <a:font script="Hant" typeface="新細明體"/>
+        <a:font script="Arab" typeface="Arial"/>
+        <a:font script="Hebr" typeface="Arial"/>
+        <a:font script="Thai" typeface="Cordia New"/>
+        <a:font script="Ethi" typeface="Nyala"/>
+        <a:font script="Beng" typeface="Vrinda"/>
+        <a:font script="Gujr" typeface="Shruti"/>
+        <a:font script="Khmr" typeface="DaunPenh"/>
+        <a:font script="Knda" typeface="Tunga"/>
+        <a:font script="Guru" typeface="Raavi"/>
+        <a:font script="Cans" typeface="Euphemia"/>
+        <a:font script="Cher" typeface="Plantagenet Cherokee"/>
+        <a:font script="Yiii" typeface="Microsoft Yi Baiti"/>
+        <a:font script="Tibt" typeface="Microsoft Himalaya"/>
+        <a:font script="Thaa" typeface="MV Boli"/>
+        <a:font script="Deva" typeface="Mangal"/>
+        <a:font script="Telu" typeface="Gautami"/>
+        <a:font script="Taml" typeface="Latha"/>
+        <a:font script="Syrc" typeface="Estrangelo Edessa"/>
+        <a:font script="Orya" typeface="Kalinga"/>
+        <a:font script="Mlym" typeface="Kartika"/>
+        <a:font script="Laoo" typeface="DokChampa"/>
+        <a:font script="Sinh" typeface="Iskoola Pota"/>
+        <a:font script="Mong" typeface="Mongolian Baiti"/>
+        <a:font script="Viet" typeface="Arial"/>
+        <a:font script="Uigh" typeface="Microsoft Uighur"/>
+        <a:font script="Geor" typeface="Sylfaen"/>
+        <a:font script="Armn" typeface="Arial"/>
+        <a:font script="Bugi" typeface="Leelawadee UI"/>
+        <a:font script="Bopo" typeface="Microsoft JhengHei"/>
+        <a:font script="Java" typeface="Javanese Text"/>
+        <a:font script="Lisu" typeface="Segoe UI"/>
+        <a:font script="Mymr" typeface="Myanmar Text"/>
+        <a:font script="Nkoo" typeface="Ebrima"/>
+        <a:font script="Olck" typeface="Nirmala UI"/>
+        <a:font script="Osma" typeface="Ebrima"/>
+        <a:font script="Phag" typeface="Phagspa"/>
+        <a:font script="Syrn" typeface="Estrangelo Edessa"/>
+        <a:font script="Syrj" typeface="Estrangelo Edessa"/>
+        <a:font script="Syre" typeface="Estrangelo Edessa"/>
+        <a:font script="Sora" typeface="Nirmala UI"/>
+        <a:font script="Tale" typeface="Microsoft Tai Le"/>
+        <a:font script="Talu" typeface="Microsoft New Tai Lue"/>
+        <a:font script="Tfng" typeface="Ebrima"/>
+      </a:minorFont>
+    </a:fontScheme>
+    <a:fmtScheme name="Office">
+      <a:fillStyleLst>
+        <a:solidFill>
+          <a:schemeClr val="phClr"/>
+        </a:solidFill>
+        <a:gradFill rotWithShape="1">
+          <a:gsLst>
+            <a:gs pos="0">
+              <a:schemeClr val="phClr">
+                <a:lumMod val="110000"/>
+                <a:satMod val="105000"/>
+                <a:tint val="67000"/>
+              </a:schemeClr>
+            </a:gs>
+            <a:gs pos="50000">
+              <a:schemeClr val="phClr">
+                <a:lumMod val="105000"/>
+                <a:satMod val="103000"/>
+                <a:tint val="73000"/>
+              </a:schemeClr>
+            </a:gs>
+            <a:gs pos="100000">
+              <a:schemeClr val="phClr">
+                <a:lumMod val="105000"/>
+                <a:satMod val="109000"/>
+                <a:tint val="81000"/>
+              </a:schemeClr>
+            </a:gs>
+          </a:gsLst>
+          <a:lin ang="5400000" scaled="0"/>
+        </a:gradFill>
+        <a:gradFill rotWithShape="1">
+          <a:gsLst>
+            <a:gs pos="0">
+              <a:schemeClr val="phClr">
+                <a:satMod val="103000"/>
+                <a:lumMod val="102000"/>
+                <a:tint val="94000"/>
+              </a:schemeClr>
+            </a:gs>
+            <a:gs pos="50000">
+              <a:schemeClr val="phClr">
+                <a:satMod val="110000"/>
+                <a:lumMod val="100000"/>
+                <a:shade val="100000"/>
+              </a:schemeClr>
+            </a:gs>
+            <a:gs pos="100000">
+              <a:schemeClr val="phClr">
+                <a:lumMod val="99000"/>
+                <a:satMod val="120000"/>
+                <a:shade val="78000"/>
+              </a:schemeClr>
+            </a:gs>
+          </a:gsLst>
+          <a:lin ang="5400000" scaled="0"/>
+        </a:gradFill>
+      </a:fillStyleLst>
+      <a:lnStyleLst>
+        <a:ln w="6350" cap="flat" cmpd="sng" algn="ctr">
+          <a:solidFill>
+            <a:schemeClr val="phClr"/>
+          </a:solidFill>
+          <a:prstDash val="solid"/>
+          <a:miter lim="800000"/>
+        </a:ln>
+        <a:ln w="12700" cap="flat" cmpd="sng" algn="ctr">
+          <a:solidFill>
+            <a:schemeClr val="phClr"/>
+          </a:solidFill>
+          <a:prstDash val="solid"/>
+          <a:miter lim="800000"/>
+        </a:ln>
+        <a:ln w="19050" cap="flat" cmpd="sng" algn="ctr">
+          <a:solidFill>
+            <a:schemeClr val="phClr"/>
+          </a:solidFill>
+          <a:prstDash val="solid"/>
+          <a:miter lim="800000"/>
+        </a:ln>
+      </a:lnStyleLst>
+      <a:effectStyleLst>
+        <a:effectStyle>
+          <a:effectLst/>
+        </a:effectStyle>
+        <a:effectStyle>
+          <a:effectLst/>
+        </a:effectStyle>
+        <a:effectStyle>
+          <a:effectLst>
+            <a:outerShdw blurRad="57150" dist="19050" dir="5400000" algn="ctr" rotWithShape="0">
+              <a:srgbClr val="000000">
+                <a:alpha val="63000"/>
+              </a:srgbClr>
+            </a:outerShdw>
+          </a:effectLst>
+        </a:effectStyle>
+      </a:effectStyleLst>
+      <a:bgFillStyleLst>
+        <a:solidFill>
+          <a:schemeClr val="phClr"/>
+        </a:solidFill>
+        <a:solidFill>
+          <a:schemeClr val="phClr">
+            <a:tint val="95000"/>
+            <a:satMod val="170000"/>
+          </a:schemeClr>
+        </a:solidFill>
+        <a:gradFill rotWithShape="1">
+          <a:gsLst>
+            <a:gs pos="0">
+              <a:schemeClr val="phClr">
+                <a:tint val="93000"/>
+                <a:satMod val="150000"/>
+                <a:shade val="98000"/>
+                <a:lumMod val="102000"/>
+              </a:schemeClr>
+            </a:gs>
+            <a:gs pos="50000">
+              <a:schemeClr val="phClr">
+                <a:tint val="98000"/>
+                <a:satMod val="130000"/>
+                <a:shade val="90000"/>
+                <a:lumMod val="103000"/>
+              </a:schemeClr>
+            </a:gs>
+            <a:gs pos="100000">
+              <a:schemeClr val="phClr">
+                <a:shade val="63000"/>
+                <a:satMod val="120000"/>
+              </a:schemeClr>
+            </a:gs>
+          </a:gsLst>
+          <a:lin ang="5400000" scaled="0"/>
+        </a:gradFill>
+      </a:bgFillStyleLst>
+    </a:fmtScheme>
+  </a:themeElements>
+  <a:objectDefaults/>
+  <a:extraClrSchemeLst/>
+  <a:extLst>
+    <a:ext uri="{05A4C25C-085E-4340-85A3-A5531E510DB2}">
+      <thm15:themeFamily xmlns:thm15="http://schemas.microsoft.com/office/thememl/2012/main" name="Office Theme" id="{62F939B6-93AF-4DB8-9C6B-D6C7DFDC589F}" vid="{4A3C46E8-61CC-4603-A589-7422A47A8E4A}"/>
+    </a:ext>
+  </a:extLst>
+</a:theme>
+</file>
+
+<file path=ppt/theme/theme3.xml><?xml version="1.0" encoding="utf-8"?>
+<a:theme xmlns:a="http://schemas.openxmlformats.org/drawingml/2006/main" name="Tema de Office">
+  <a:themeElements>
+    <a:clrScheme name="Office">
+      <a:dk1>
+        <a:sysClr val="windowText" lastClr="000000"/>
+      </a:dk1>
+      <a:lt1>
+        <a:sysClr val="window" lastClr="FFFFFF"/>
+      </a:lt1>
+      <a:dk2>
+        <a:srgbClr val="44546A"/>
+      </a:dk2>
+      <a:lt2>
+        <a:srgbClr val="E7E6E6"/>
+      </a:lt2>
+      <a:accent1>
+        <a:srgbClr val="4472C4"/>
+      </a:accent1>
+      <a:accent2>
+        <a:srgbClr val="ED7D31"/>
+      </a:accent2>
+      <a:accent3>
+        <a:srgbClr val="A5A5A5"/>
+      </a:accent3>
+      <a:accent4>
+        <a:srgbClr val="FFC000"/>
+      </a:accent4>
+      <a:accent5>
+        <a:srgbClr val="5B9BD5"/>
+      </a:accent5>
+      <a:accent6>
+        <a:srgbClr val="70AD47"/>
+      </a:accent6>
+      <a:hlink>
+        <a:srgbClr val="0563C1"/>
+      </a:hlink>
+      <a:folHlink>
+        <a:srgbClr val="954F72"/>
+      </a:folHlink>
+    </a:clrScheme>
+    <a:fontScheme name="Office">
+      <a:majorFont>
+        <a:latin typeface="Calibri Light" panose="020F0302020204030204"/>
+        <a:ea typeface=""/>
+        <a:cs typeface=""/>
+        <a:font script="Jpan" typeface="游ゴシック Light"/>
+        <a:font script="Hang" typeface="맑은 고딕"/>
+        <a:font script="Hans" typeface="等线 Light"/>
+        <a:font script="Hant" typeface="新細明體"/>
+        <a:font script="Arab" typeface="Times New Roman"/>
+        <a:font script="Hebr" typeface="Times New Roman"/>
+        <a:font script="Thai" typeface="Angsana New"/>
+        <a:font script="Ethi" typeface="Nyala"/>
+        <a:font script="Beng" typeface="Vrinda"/>
+        <a:font script="Gujr" typeface="Shruti"/>
+        <a:font script="Khmr" typeface="MoolBoran"/>
+        <a:font script="Knda" typeface="Tunga"/>
+        <a:font script="Guru" typeface="Raavi"/>
+        <a:font script="Cans" typeface="Euphemia"/>
+        <a:font script="Cher" typeface="Plantagenet Cherokee"/>
+        <a:font script="Yiii" typeface="Microsoft Yi Baiti"/>
+        <a:font script="Tibt" typeface="Microsoft Himalaya"/>
+        <a:font script="Thaa" typeface="MV Boli"/>
+        <a:font script="Deva" typeface="Mangal"/>
+        <a:font script="Telu" typeface="Gautami"/>
+        <a:font script="Taml" typeface="Latha"/>
+        <a:font script="Syrc" typeface="Estrangelo Edessa"/>
+        <a:font script="Orya" typeface="Kalinga"/>
+        <a:font script="Mlym" typeface="Kartika"/>
+        <a:font script="Laoo" typeface="DokChampa"/>
+        <a:font script="Sinh" typeface="Iskoola Pota"/>
+        <a:font script="Mong" typeface="Mongolian Baiti"/>
+        <a:font script="Viet" typeface="Times New Roman"/>
+        <a:font script="Uigh" typeface="Microsoft Uighur"/>
+        <a:font script="Geor" typeface="Sylfaen"/>
+        <a:font script="Armn" typeface="Arial"/>
+        <a:font script="Bugi" typeface="Leelawadee UI"/>
+        <a:font script="Bopo" typeface="Microsoft JhengHei"/>
+        <a:font script="Java" typeface="Javanese Text"/>
+        <a:font script="Lisu" typeface="Segoe UI"/>
+        <a:font script="Mymr" typeface="Myanmar Text"/>
+        <a:font script="Nkoo" typeface="Ebrima"/>
+        <a:font script="Olck" typeface="Nirmala UI"/>
+        <a:font script="Osma" typeface="Ebrima"/>
+        <a:font script="Phag" typeface="Phagspa"/>
+        <a:font script="Syrn" typeface="Estrangelo Edessa"/>
+        <a:font script="Syrj" typeface="Estrangelo Edessa"/>
+        <a:font script="Syre" typeface="Estrangelo Edessa"/>
+        <a:font script="Sora" typeface="Nirmala UI"/>
+        <a:font script="Tale" typeface="Microsoft Tai Le"/>
+        <a:font script="Talu" typeface="Microsoft New Tai Lue"/>
+        <a:font script="Tfng" typeface="Ebrima"/>
+      </a:majorFont>
+      <a:minorFont>
+        <a:latin typeface="Calibri" panose="020F0502020204030204"/>
+        <a:ea typeface=""/>
+        <a:cs typeface=""/>
+        <a:font script="Jpan" typeface="游ゴシック"/>
+        <a:font script="Hang" typeface="맑은 고딕"/>
+        <a:font script="Hans" typeface="等线"/>
+        <a:font script="Hant" typeface="新細明體"/>
+        <a:font script="Arab" typeface="Arial"/>
+        <a:font script="Hebr" typeface="Arial"/>
+        <a:font script="Thai" typeface="Cordia New"/>
+        <a:font script="Ethi" typeface="Nyala"/>
+        <a:font script="Beng" typeface="Vrinda"/>
+        <a:font script="Gujr" typeface="Shruti"/>
+        <a:font script="Khmr" typeface="DaunPenh"/>
+        <a:font script="Knda" typeface="Tunga"/>
+        <a:font script="Guru" typeface="Raavi"/>
+        <a:font script="Cans" typeface="Euphemia"/>
+        <a:font script="Cher" typeface="Plantagenet Cherokee"/>
+        <a:font script="Yiii" typeface="Microsoft Yi Baiti"/>
+        <a:font script="Tibt" typeface="Microsoft Himalaya"/>
+        <a:font script="Thaa" typeface="MV Boli"/>
+        <a:font script="Deva" typeface="Mangal"/>
+        <a:font script="Telu" typeface="Gautami"/>
+        <a:font script="Taml" typeface="Latha"/>
+        <a:font script="Syrc" typeface="Estrangelo Edessa"/>
+        <a:font script="Orya" typeface="Kalinga"/>
+        <a:font script="Mlym" typeface="Kartika"/>
+        <a:font script="Laoo" typeface="DokChampa"/>
+        <a:font script="Sinh" typeface="Iskoola Pota"/>
+        <a:font script="Mong" typeface="Mongolian Baiti"/>
+        <a:font script="Viet" typeface="Arial"/>
+        <a:font script="Uigh" typeface="Microsoft Uighur"/>
+        <a:font script="Geor" typeface="Sylfaen"/>
+        <a:font script="Armn" typeface="Arial"/>
+        <a:font script="Bugi" typeface="Leelawadee UI"/>
+        <a:font script="Bopo" typeface="Microsoft JhengHei"/>
+        <a:font script="Java" typeface="Javanese Text"/>
+        <a:font script="Lisu" typeface="Segoe UI"/>
+        <a:font script="Mymr" typeface="Myanmar Text"/>
+        <a:font script="Nkoo" typeface="Ebrima"/>
+        <a:font script="Olck" typeface="Nirmala UI"/>
+        <a:font script="Osma" typeface="Ebrima"/>
+        <a:font script="Phag" typeface="Phagspa"/>
+        <a:font script="Syrn" typeface="Estrangelo Edessa"/>
+        <a:font script="Syrj" typeface="Estrangelo Edessa"/>
+        <a:font script="Syre" typeface="Estrangelo Edessa"/>
+        <a:font script="Sora" typeface="Nirmala UI"/>
+        <a:font script="Tale" typeface="Microsoft Tai Le"/>
+        <a:font script="Talu" typeface="Microsoft New Tai Lue"/>
+        <a:font script="Tfng" typeface="Ebrima"/>
+      </a:minorFont>
+    </a:fontScheme>
+    <a:fmtScheme name="Office">
+      <a:fillStyleLst>
+        <a:solidFill>
+          <a:schemeClr val="phClr"/>
+        </a:solidFill>
+        <a:gradFill rotWithShape="1">
+          <a:gsLst>
+            <a:gs pos="0">
+              <a:schemeClr val="phClr">
+                <a:lumMod val="110000"/>
+                <a:satMod val="105000"/>
+                <a:tint val="67000"/>
+              </a:schemeClr>
+            </a:gs>
+            <a:gs pos="50000">
+              <a:schemeClr val="phClr">
+                <a:lumMod val="105000"/>
+                <a:satMod val="103000"/>
+                <a:tint val="73000"/>
+              </a:schemeClr>
+            </a:gs>
+            <a:gs pos="100000">
+              <a:schemeClr val="phClr">
+                <a:lumMod val="105000"/>
+                <a:satMod val="109000"/>
+                <a:tint val="81000"/>
+              </a:schemeClr>
+            </a:gs>
+          </a:gsLst>
+          <a:lin ang="5400000" scaled="0"/>
+        </a:gradFill>
+        <a:gradFill rotWithShape="1">
+          <a:gsLst>
+            <a:gs pos="0">
+              <a:schemeClr val="phClr">
+                <a:satMod val="103000"/>
+                <a:lumMod val="102000"/>
+                <a:tint val="94000"/>
+              </a:schemeClr>
+            </a:gs>
+            <a:gs pos="50000">
+              <a:schemeClr val="phClr">
+                <a:satMod val="110000"/>
+                <a:lumMod val="100000"/>
+                <a:shade val="100000"/>
+              </a:schemeClr>
+            </a:gs>
+            <a:gs pos="100000">
+              <a:schemeClr val="phClr">
+                <a:lumMod val="99000"/>
+                <a:satMod val="120000"/>
+                <a:shade val="78000"/>
+              </a:schemeClr>
+            </a:gs>
+          </a:gsLst>
+          <a:lin ang="5400000" scaled="0"/>
+        </a:gradFill>
+      </a:fillStyleLst>
+      <a:lnStyleLst>
+        <a:ln w="6350" cap="flat" cmpd="sng" algn="ctr">
+          <a:solidFill>
+            <a:schemeClr val="phClr"/>
+          </a:solidFill>
+          <a:prstDash val="solid"/>
+          <a:miter lim="800000"/>
+        </a:ln>
+        <a:ln w="12700" cap="flat" cmpd="sng" algn="ctr">
+          <a:solidFill>
+            <a:schemeClr val="phClr"/>
+          </a:solidFill>
+          <a:prstDash val="solid"/>
+          <a:miter lim="800000"/>
+        </a:ln>
+        <a:ln w="19050" cap="flat" cmpd="sng" algn="ctr">
+          <a:solidFill>
+            <a:schemeClr val="phClr"/>
+          </a:solidFill>
+          <a:prstDash val="solid"/>
+          <a:miter lim="800000"/>
+        </a:ln>
+      </a:lnStyleLst>
+      <a:effectStyleLst>
+        <a:effectStyle>
+          <a:effectLst/>
+        </a:effectStyle>
+        <a:effectStyle>
+          <a:effectLst/>
+        </a:effectStyle>
+        <a:effectStyle>
+          <a:effectLst>
+            <a:outerShdw blurRad="57150" dist="19050" dir="5400000" algn="ctr" rotWithShape="0">
+              <a:srgbClr val="000000">
+                <a:alpha val="63000"/>
+              </a:srgbClr>
+            </a:outerShdw>
+          </a:effectLst>
+        </a:effectStyle>
+      </a:effectStyleLst>
+      <a:bgFillStyleLst>
+        <a:solidFill>
+          <a:schemeClr val="phClr"/>
+        </a:solidFill>
+        <a:solidFill>
+          <a:schemeClr val="phClr">
+            <a:tint val="95000"/>
+            <a:satMod val="170000"/>
+          </a:schemeClr>
+        </a:solidFill>
+        <a:gradFill rotWithShape="1">
+          <a:gsLst>
+            <a:gs pos="0">
+              <a:schemeClr val="phClr">
+                <a:tint val="93000"/>
+                <a:satMod val="150000"/>
+                <a:shade val="98000"/>
+                <a:lumMod val="102000"/>
+              </a:schemeClr>
+            </a:gs>
+            <a:gs pos="50000">
+              <a:schemeClr val="phClr">
+                <a:tint val="98000"/>
+                <a:satMod val="130000"/>
+                <a:shade val="90000"/>
+                <a:lumMod val="103000"/>
+              </a:schemeClr>
+            </a:gs>
+            <a:gs pos="100000">
+              <a:schemeClr val="phClr">
+                <a:shade val="63000"/>
+                <a:satMod val="120000"/>
+              </a:schemeClr>
+            </a:gs>
+          </a:gsLst>
+          <a:lin ang="5400000" scaled="0"/>
+        </a:gradFill>
+      </a:bgFillStyleLst>
+    </a:fmtScheme>
+  </a:themeElements>
+  <a:objectDefaults/>
+  <a:extraClrSchemeLst/>
+  <a:extLst>
+    <a:ext uri="{05A4C25C-085E-4340-85A3-A5531E510DB2}">
+      <thm15:themeFamily xmlns:thm15="http://schemas.microsoft.com/office/thememl/2012/main" name="Office Theme" id="{62F939B6-93AF-4DB8-9C6B-D6C7DFDC589F}" vid="{4A3C46E8-61CC-4603-A589-7422A47A8E4A}"/>
+    </a:ext>
+  </a:extLst>
+</a:theme>
+</file>
+
 <file path=docMetadata/LabelInfo.xml><?xml version="1.0" encoding="utf-8"?>
 <clbl:labelList xmlns:clbl="http://schemas.microsoft.com/office/2020/mipLabelMetadata">
   <clbl:label id="{3048dc87-43f0-4100-9acb-ae1971c79395}" enabled="0" method="" siteId="{3048dc87-43f0-4100-9acb-ae1971c79395}" removed="1"/>
